--- a/Slides - Breakout Session.pptx
+++ b/Slides - Breakout Session.pptx
@@ -334,7 +334,7 @@
           <a:p>
             <a:fld id="{DFD769BD-6B0D-46F1-9E9B-7E3BA769A178}" type="datetimeFigureOut">
               <a:rPr lang="en-US" smtClean="0"/>
-              <a:t>2/27/25</a:t>
+              <a:t>3/8/25</a:t>
             </a:fld>
             <a:endParaRPr lang="en-US"/>
           </a:p>
@@ -2051,7 +2051,7 @@
           <a:p>
             <a:fld id="{1067CBEE-1EBC-411D-9916-BDFC70C90AFF}" type="datetimeFigureOut">
               <a:rPr lang="en-US" smtClean="0"/>
-              <a:t>2/27/25</a:t>
+              <a:t>3/8/25</a:t>
             </a:fld>
             <a:endParaRPr lang="en-US"/>
           </a:p>
@@ -48385,10 +48385,10 @@
         </p:nvGrpSpPr>
         <p:grpSpPr>
           <a:xfrm>
-            <a:off x="2998589" y="3831468"/>
-            <a:ext cx="5577912" cy="545234"/>
-            <a:chOff x="2998589" y="3783758"/>
-            <a:chExt cx="5577912" cy="545234"/>
+            <a:off x="2998589" y="4474061"/>
+            <a:ext cx="5719500" cy="545234"/>
+            <a:chOff x="2857001" y="3783758"/>
+            <a:chExt cx="5719500" cy="545234"/>
           </a:xfrm>
         </p:grpSpPr>
         <p:cxnSp>
@@ -48407,8 +48407,8 @@
           </p:nvCxnSpPr>
           <p:spPr>
             <a:xfrm>
-              <a:off x="2998589" y="4056375"/>
-              <a:ext cx="1977121" cy="0"/>
+              <a:off x="2857001" y="4056375"/>
+              <a:ext cx="2118709" cy="0"/>
             </a:xfrm>
             <a:prstGeom prst="line">
               <a:avLst/>
@@ -48562,7 +48562,7 @@
         </p:nvGrpSpPr>
         <p:grpSpPr>
           <a:xfrm>
-            <a:off x="2998589" y="4498723"/>
+            <a:off x="3140177" y="5163594"/>
             <a:ext cx="5719500" cy="545234"/>
             <a:chOff x="2998589" y="4448206"/>
             <a:chExt cx="5719500" cy="545234"/>
@@ -48760,10 +48760,10 @@
         </p:nvGrpSpPr>
         <p:grpSpPr>
           <a:xfrm>
-            <a:off x="3210792" y="5165980"/>
-            <a:ext cx="5680765" cy="545234"/>
-            <a:chOff x="3210792" y="5106740"/>
-            <a:chExt cx="5680765" cy="545234"/>
+            <a:off x="3011187" y="3830276"/>
+            <a:ext cx="5476812" cy="545234"/>
+            <a:chOff x="3414745" y="5106740"/>
+            <a:chExt cx="5476812" cy="545234"/>
           </a:xfrm>
         </p:grpSpPr>
         <p:cxnSp>
@@ -48782,8 +48782,8 @@
           </p:nvCxnSpPr>
           <p:spPr>
             <a:xfrm>
-              <a:off x="3210792" y="5379357"/>
-              <a:ext cx="2108684" cy="0"/>
+              <a:off x="3414745" y="5379357"/>
+              <a:ext cx="1886894" cy="0"/>
             </a:xfrm>
             <a:prstGeom prst="line">
               <a:avLst/>
@@ -49694,15 +49694,6 @@
 </file>
 
 <file path=customXml/item1.xml><?xml version="1.0" encoding="utf-8"?>
-<?mso-contentType ?>
-<FormTemplates xmlns="http://schemas.microsoft.com/sharepoint/v3/contenttype/forms">
-  <Display>DocumentLibraryForm</Display>
-  <Edit>DocumentLibraryForm</Edit>
-  <New>DocumentLibraryForm</New>
-</FormTemplates>
-</file>
-
-<file path=customXml/item2.xml><?xml version="1.0" encoding="utf-8"?>
 <ct:contentTypeSchema xmlns:ct="http://schemas.microsoft.com/office/2006/metadata/contentType" xmlns:ma="http://schemas.microsoft.com/office/2006/metadata/properties/metaAttributes" ct:_="" ma:_="" ma:contentTypeName="Document" ma:contentTypeID="0x010100D03A87AFF23EDB41B2605F812C149041" ma:contentTypeVersion="18" ma:contentTypeDescription="Create a new document." ma:contentTypeScope="" ma:versionID="8f81f01e02c33cd5179c18272e157c2a">
   <xsd:schema xmlns:xsd="http://www.w3.org/2001/XMLSchema" xmlns:xs="http://www.w3.org/2001/XMLSchema" xmlns:p="http://schemas.microsoft.com/office/2006/metadata/properties" xmlns:ns2="7137403d-0509-442c-bdc3-d87e459f85aa" xmlns:ns3="98d5acde-eb8d-47a5-8476-e6de3948877b" targetNamespace="http://schemas.microsoft.com/office/2006/metadata/properties" ma:root="true" ma:fieldsID="65c6aa1c64ee1994db335b00e020e6da" ns2:_="" ns3:_="">
     <xsd:import namespace="7137403d-0509-442c-bdc3-d87e459f85aa"/>
@@ -49957,6 +49948,15 @@
 </ct:contentTypeSchema>
 </file>
 
+<file path=customXml/item2.xml><?xml version="1.0" encoding="utf-8"?>
+<?mso-contentType ?>
+<FormTemplates xmlns="http://schemas.microsoft.com/sharepoint/v3/contenttype/forms">
+  <Display>DocumentLibraryForm</Display>
+  <Edit>DocumentLibraryForm</Edit>
+  <New>DocumentLibraryForm</New>
+</FormTemplates>
+</file>
+
 <file path=customXml/item3.xml><?xml version="1.0" encoding="utf-8"?>
 <p:properties xmlns:p="http://schemas.microsoft.com/office/2006/metadata/properties" xmlns:xsi="http://www.w3.org/2001/XMLSchema-instance" xmlns:pc="http://schemas.microsoft.com/office/infopath/2007/PartnerControls">
   <documentManagement>
@@ -49971,14 +49971,6 @@
 </file>
 
 <file path=customXml/itemProps1.xml><?xml version="1.0" encoding="utf-8"?>
-<ds:datastoreItem xmlns:ds="http://schemas.openxmlformats.org/officeDocument/2006/customXml" ds:itemID="{5A535E5C-0BF2-4DBF-89C2-207A3705E1DB}">
-  <ds:schemaRefs>
-    <ds:schemaRef ds:uri="http://schemas.microsoft.com/sharepoint/v3/contenttype/forms"/>
-  </ds:schemaRefs>
-</ds:datastoreItem>
-</file>
-
-<file path=customXml/itemProps2.xml><?xml version="1.0" encoding="utf-8"?>
 <ds:datastoreItem xmlns:ds="http://schemas.openxmlformats.org/officeDocument/2006/customXml" ds:itemID="{4D4497F9-2BCB-4952-838B-52D81CC2FE88}">
   <ds:schemaRefs>
     <ds:schemaRef ds:uri="http://schemas.microsoft.com/office/2006/metadata/contentType"/>
@@ -49993,6 +49985,14 @@
     <ds:schemaRef ds:uri="http://purl.org/dc/elements/1.1/"/>
     <ds:schemaRef ds:uri="http://purl.org/dc/terms/"/>
     <ds:schemaRef ds:uri="http://schemas.microsoft.com/internal/obd"/>
+  </ds:schemaRefs>
+</ds:datastoreItem>
+</file>
+
+<file path=customXml/itemProps2.xml><?xml version="1.0" encoding="utf-8"?>
+<ds:datastoreItem xmlns:ds="http://schemas.openxmlformats.org/officeDocument/2006/customXml" ds:itemID="{5A535E5C-0BF2-4DBF-89C2-207A3705E1DB}">
+  <ds:schemaRefs>
+    <ds:schemaRef ds:uri="http://schemas.microsoft.com/sharepoint/v3/contenttype/forms"/>
   </ds:schemaRefs>
 </ds:datastoreItem>
 </file>

--- a/Slides - Breakout Session.pptx
+++ b/Slides - Breakout Session.pptx
@@ -5,39 +5,38 @@
     <p:sldMasterId id="2147483648" r:id="rId4"/>
   </p:sldMasterIdLst>
   <p:notesMasterIdLst>
-    <p:notesMasterId r:id="rId32"/>
+    <p:notesMasterId r:id="rId31"/>
   </p:notesMasterIdLst>
   <p:handoutMasterIdLst>
-    <p:handoutMasterId r:id="rId33"/>
+    <p:handoutMasterId r:id="rId32"/>
   </p:handoutMasterIdLst>
   <p:sldIdLst>
     <p:sldId id="2147482821" r:id="rId5"/>
-    <p:sldId id="257" r:id="rId6"/>
-    <p:sldId id="259" r:id="rId7"/>
-    <p:sldId id="264" r:id="rId8"/>
-    <p:sldId id="265" r:id="rId9"/>
-    <p:sldId id="266" r:id="rId10"/>
-    <p:sldId id="267" r:id="rId11"/>
-    <p:sldId id="268" r:id="rId12"/>
-    <p:sldId id="269" r:id="rId13"/>
-    <p:sldId id="595" r:id="rId14"/>
-    <p:sldId id="271" r:id="rId15"/>
-    <p:sldId id="272" r:id="rId16"/>
-    <p:sldId id="273" r:id="rId17"/>
-    <p:sldId id="274" r:id="rId18"/>
-    <p:sldId id="275" r:id="rId19"/>
-    <p:sldId id="2147482836" r:id="rId20"/>
-    <p:sldId id="2147482828" r:id="rId21"/>
-    <p:sldId id="2147482837" r:id="rId22"/>
-    <p:sldId id="2147482838" r:id="rId23"/>
-    <p:sldId id="280" r:id="rId24"/>
-    <p:sldId id="2147482830" r:id="rId25"/>
-    <p:sldId id="2147482831" r:id="rId26"/>
-    <p:sldId id="2147482823" r:id="rId27"/>
-    <p:sldId id="284" r:id="rId28"/>
-    <p:sldId id="2147482833" r:id="rId29"/>
-    <p:sldId id="2147482839" r:id="rId30"/>
-    <p:sldId id="2147482840" r:id="rId31"/>
+    <p:sldId id="259" r:id="rId6"/>
+    <p:sldId id="264" r:id="rId7"/>
+    <p:sldId id="265" r:id="rId8"/>
+    <p:sldId id="266" r:id="rId9"/>
+    <p:sldId id="267" r:id="rId10"/>
+    <p:sldId id="268" r:id="rId11"/>
+    <p:sldId id="269" r:id="rId12"/>
+    <p:sldId id="595" r:id="rId13"/>
+    <p:sldId id="271" r:id="rId14"/>
+    <p:sldId id="272" r:id="rId15"/>
+    <p:sldId id="273" r:id="rId16"/>
+    <p:sldId id="274" r:id="rId17"/>
+    <p:sldId id="275" r:id="rId18"/>
+    <p:sldId id="2147482836" r:id="rId19"/>
+    <p:sldId id="2147482828" r:id="rId20"/>
+    <p:sldId id="2147482837" r:id="rId21"/>
+    <p:sldId id="2147482838" r:id="rId22"/>
+    <p:sldId id="280" r:id="rId23"/>
+    <p:sldId id="2147482830" r:id="rId24"/>
+    <p:sldId id="2147482831" r:id="rId25"/>
+    <p:sldId id="2147482823" r:id="rId26"/>
+    <p:sldId id="284" r:id="rId27"/>
+    <p:sldId id="2147482833" r:id="rId28"/>
+    <p:sldId id="2147482839" r:id="rId29"/>
+    <p:sldId id="2147482840" r:id="rId30"/>
   </p:sldIdLst>
   <p:sldSz cx="12192000" cy="6858000"/>
   <p:notesSz cx="6950075" cy="9236075"/>
@@ -142,7 +141,6 @@
         <p14:section name="Layouts: General" id="{97267A6F-9F0D-4B36-A5AA-AE62B333C1DD}">
           <p14:sldIdLst>
             <p14:sldId id="2147482821"/>
-            <p14:sldId id="257"/>
             <p14:sldId id="259"/>
             <p14:sldId id="264"/>
             <p14:sldId id="265"/>
@@ -4358,7 +4356,7 @@
           <a:p>
             <a:fld id="{F7021451-1387-4CA6-816F-3879F97B5CBC}" type="slidenum">
               <a:rPr lang="en-US" smtClean="0"/>
-              <a:t>15</a:t>
+              <a:t>16</a:t>
             </a:fld>
             <a:endParaRPr lang="en-US"/>
           </a:p>
@@ -4378,6 +4376,114 @@
 </file>
 
 <file path=ppt/notesSlides/notesSlide14.xml><?xml version="1.0" encoding="utf-8"?>
+<p:notes xmlns:a="http://schemas.openxmlformats.org/drawingml/2006/main" xmlns:r="http://schemas.openxmlformats.org/officeDocument/2006/relationships" xmlns:p="http://schemas.openxmlformats.org/presentationml/2006/main">
+  <p:cSld>
+    <p:spTree>
+      <p:nvGrpSpPr>
+        <p:cNvPr id="1" name="">
+          <a:extLst>
+            <a:ext uri="{FF2B5EF4-FFF2-40B4-BE49-F238E27FC236}">
+              <a16:creationId xmlns:a16="http://schemas.microsoft.com/office/drawing/2014/main" id="{54801B0D-5132-9419-CC90-733105E280D0}"/>
+            </a:ext>
+          </a:extLst>
+        </p:cNvPr>
+        <p:cNvGrpSpPr/>
+        <p:nvPr/>
+      </p:nvGrpSpPr>
+      <p:grpSpPr>
+        <a:xfrm>
+          <a:off x="0" y="0"/>
+          <a:ext cx="0" cy="0"/>
+          <a:chOff x="0" y="0"/>
+          <a:chExt cx="0" cy="0"/>
+        </a:xfrm>
+      </p:grpSpPr>
+      <p:sp>
+        <p:nvSpPr>
+          <p:cNvPr id="2" name="Slide Image Placeholder 1">
+            <a:extLst>
+              <a:ext uri="{FF2B5EF4-FFF2-40B4-BE49-F238E27FC236}">
+                <a16:creationId xmlns:a16="http://schemas.microsoft.com/office/drawing/2014/main" id="{5B0432F2-8381-3B56-560F-04FC85CB59D9}"/>
+              </a:ext>
+            </a:extLst>
+          </p:cNvPr>
+          <p:cNvSpPr>
+            <a:spLocks noGrp="1" noRot="1" noChangeAspect="1"/>
+          </p:cNvSpPr>
+          <p:nvPr>
+            <p:ph type="sldImg"/>
+          </p:nvPr>
+        </p:nvSpPr>
+        <p:spPr/>
+      </p:sp>
+      <p:sp>
+        <p:nvSpPr>
+          <p:cNvPr id="3" name="Notes Placeholder 2">
+            <a:extLst>
+              <a:ext uri="{FF2B5EF4-FFF2-40B4-BE49-F238E27FC236}">
+                <a16:creationId xmlns:a16="http://schemas.microsoft.com/office/drawing/2014/main" id="{C908B671-2D2F-1D0E-C960-60C0ED676001}"/>
+              </a:ext>
+            </a:extLst>
+          </p:cNvPr>
+          <p:cNvSpPr>
+            <a:spLocks noGrp="1"/>
+          </p:cNvSpPr>
+          <p:nvPr>
+            <p:ph type="body" idx="1"/>
+          </p:nvPr>
+        </p:nvSpPr>
+        <p:spPr/>
+        <p:txBody>
+          <a:bodyPr/>
+          <a:lstStyle/>
+          <a:p>
+            <a:endParaRPr lang="en-US" dirty="0"/>
+          </a:p>
+        </p:txBody>
+      </p:sp>
+      <p:sp>
+        <p:nvSpPr>
+          <p:cNvPr id="4" name="Slide Number Placeholder 3">
+            <a:extLst>
+              <a:ext uri="{FF2B5EF4-FFF2-40B4-BE49-F238E27FC236}">
+                <a16:creationId xmlns:a16="http://schemas.microsoft.com/office/drawing/2014/main" id="{8AE1B6C7-707C-2567-F1AF-E07E64377619}"/>
+              </a:ext>
+            </a:extLst>
+          </p:cNvPr>
+          <p:cNvSpPr>
+            <a:spLocks noGrp="1"/>
+          </p:cNvSpPr>
+          <p:nvPr>
+            <p:ph type="sldNum" sz="quarter" idx="10"/>
+          </p:nvPr>
+        </p:nvSpPr>
+        <p:spPr/>
+        <p:txBody>
+          <a:bodyPr/>
+          <a:lstStyle/>
+          <a:p>
+            <a:fld id="{F7021451-1387-4CA6-816F-3879F97B5CBC}" type="slidenum">
+              <a:rPr lang="en-US" smtClean="0"/>
+              <a:t>17</a:t>
+            </a:fld>
+            <a:endParaRPr lang="en-US"/>
+          </a:p>
+        </p:txBody>
+      </p:sp>
+    </p:spTree>
+    <p:extLst>
+      <p:ext uri="{BB962C8B-B14F-4D97-AF65-F5344CB8AC3E}">
+        <p14:creationId xmlns:p14="http://schemas.microsoft.com/office/powerpoint/2010/main" val="92975872"/>
+      </p:ext>
+    </p:extLst>
+  </p:cSld>
+  <p:clrMapOvr>
+    <a:masterClrMapping/>
+  </p:clrMapOvr>
+</p:notes>
+</file>
+
+<file path=ppt/notesSlides/notesSlide15.xml><?xml version="1.0" encoding="utf-8"?>
 <p:notes xmlns:a="http://schemas.openxmlformats.org/drawingml/2006/main" xmlns:r="http://schemas.openxmlformats.org/officeDocument/2006/relationships" xmlns:p="http://schemas.openxmlformats.org/presentationml/2006/main">
   <p:cSld>
     <p:spTree>
@@ -4442,7 +4548,7 @@
           <a:p>
             <a:fld id="{F7021451-1387-4CA6-816F-3879F97B5CBC}" type="slidenum">
               <a:rPr lang="en-US" smtClean="0"/>
-              <a:t>17</a:t>
+              <a:t>19</a:t>
             </a:fld>
             <a:endParaRPr lang="en-US"/>
           </a:p>
@@ -4452,114 +4558,6 @@
     <p:extLst>
       <p:ext uri="{BB962C8B-B14F-4D97-AF65-F5344CB8AC3E}">
         <p14:creationId xmlns:p14="http://schemas.microsoft.com/office/powerpoint/2010/main" val="1024086991"/>
-      </p:ext>
-    </p:extLst>
-  </p:cSld>
-  <p:clrMapOvr>
-    <a:masterClrMapping/>
-  </p:clrMapOvr>
-</p:notes>
-</file>
-
-<file path=ppt/notesSlides/notesSlide15.xml><?xml version="1.0" encoding="utf-8"?>
-<p:notes xmlns:a="http://schemas.openxmlformats.org/drawingml/2006/main" xmlns:r="http://schemas.openxmlformats.org/officeDocument/2006/relationships" xmlns:p="http://schemas.openxmlformats.org/presentationml/2006/main">
-  <p:cSld>
-    <p:spTree>
-      <p:nvGrpSpPr>
-        <p:cNvPr id="1" name="">
-          <a:extLst>
-            <a:ext uri="{FF2B5EF4-FFF2-40B4-BE49-F238E27FC236}">
-              <a16:creationId xmlns:a16="http://schemas.microsoft.com/office/drawing/2014/main" id="{54801B0D-5132-9419-CC90-733105E280D0}"/>
-            </a:ext>
-          </a:extLst>
-        </p:cNvPr>
-        <p:cNvGrpSpPr/>
-        <p:nvPr/>
-      </p:nvGrpSpPr>
-      <p:grpSpPr>
-        <a:xfrm>
-          <a:off x="0" y="0"/>
-          <a:ext cx="0" cy="0"/>
-          <a:chOff x="0" y="0"/>
-          <a:chExt cx="0" cy="0"/>
-        </a:xfrm>
-      </p:grpSpPr>
-      <p:sp>
-        <p:nvSpPr>
-          <p:cNvPr id="2" name="Slide Image Placeholder 1">
-            <a:extLst>
-              <a:ext uri="{FF2B5EF4-FFF2-40B4-BE49-F238E27FC236}">
-                <a16:creationId xmlns:a16="http://schemas.microsoft.com/office/drawing/2014/main" id="{5B0432F2-8381-3B56-560F-04FC85CB59D9}"/>
-              </a:ext>
-            </a:extLst>
-          </p:cNvPr>
-          <p:cNvSpPr>
-            <a:spLocks noGrp="1" noRot="1" noChangeAspect="1"/>
-          </p:cNvSpPr>
-          <p:nvPr>
-            <p:ph type="sldImg"/>
-          </p:nvPr>
-        </p:nvSpPr>
-        <p:spPr/>
-      </p:sp>
-      <p:sp>
-        <p:nvSpPr>
-          <p:cNvPr id="3" name="Notes Placeholder 2">
-            <a:extLst>
-              <a:ext uri="{FF2B5EF4-FFF2-40B4-BE49-F238E27FC236}">
-                <a16:creationId xmlns:a16="http://schemas.microsoft.com/office/drawing/2014/main" id="{C908B671-2D2F-1D0E-C960-60C0ED676001}"/>
-              </a:ext>
-            </a:extLst>
-          </p:cNvPr>
-          <p:cNvSpPr>
-            <a:spLocks noGrp="1"/>
-          </p:cNvSpPr>
-          <p:nvPr>
-            <p:ph type="body" idx="1"/>
-          </p:nvPr>
-        </p:nvSpPr>
-        <p:spPr/>
-        <p:txBody>
-          <a:bodyPr/>
-          <a:lstStyle/>
-          <a:p>
-            <a:endParaRPr lang="en-US" dirty="0"/>
-          </a:p>
-        </p:txBody>
-      </p:sp>
-      <p:sp>
-        <p:nvSpPr>
-          <p:cNvPr id="4" name="Slide Number Placeholder 3">
-            <a:extLst>
-              <a:ext uri="{FF2B5EF4-FFF2-40B4-BE49-F238E27FC236}">
-                <a16:creationId xmlns:a16="http://schemas.microsoft.com/office/drawing/2014/main" id="{8AE1B6C7-707C-2567-F1AF-E07E64377619}"/>
-              </a:ext>
-            </a:extLst>
-          </p:cNvPr>
-          <p:cNvSpPr>
-            <a:spLocks noGrp="1"/>
-          </p:cNvSpPr>
-          <p:nvPr>
-            <p:ph type="sldNum" sz="quarter" idx="10"/>
-          </p:nvPr>
-        </p:nvSpPr>
-        <p:spPr/>
-        <p:txBody>
-          <a:bodyPr/>
-          <a:lstStyle/>
-          <a:p>
-            <a:fld id="{F7021451-1387-4CA6-816F-3879F97B5CBC}" type="slidenum">
-              <a:rPr lang="en-US" smtClean="0"/>
-              <a:t>18</a:t>
-            </a:fld>
-            <a:endParaRPr lang="en-US"/>
-          </a:p>
-        </p:txBody>
-      </p:sp>
-    </p:spTree>
-    <p:extLst>
-      <p:ext uri="{BB962C8B-B14F-4D97-AF65-F5344CB8AC3E}">
-        <p14:creationId xmlns:p14="http://schemas.microsoft.com/office/powerpoint/2010/main" val="92975872"/>
       </p:ext>
     </p:extLst>
   </p:cSld>
@@ -4802,7 +4800,7 @@
           <a:p>
             <a:fld id="{F7021451-1387-4CA6-816F-3879F97B5CBC}" type="slidenum">
               <a:rPr lang="en-US" smtClean="0"/>
-              <a:t>22</a:t>
+              <a:t>23</a:t>
             </a:fld>
             <a:endParaRPr lang="en-US"/>
           </a:p>
@@ -4994,90 +4992,6 @@
   <p:cSld>
     <p:spTree>
       <p:nvGrpSpPr>
-        <p:cNvPr id="1" name=""/>
-        <p:cNvGrpSpPr/>
-        <p:nvPr/>
-      </p:nvGrpSpPr>
-      <p:grpSpPr>
-        <a:xfrm>
-          <a:off x="0" y="0"/>
-          <a:ext cx="0" cy="0"/>
-          <a:chOff x="0" y="0"/>
-          <a:chExt cx="0" cy="0"/>
-        </a:xfrm>
-      </p:grpSpPr>
-      <p:sp>
-        <p:nvSpPr>
-          <p:cNvPr id="2" name="Slide Image Placeholder 1"/>
-          <p:cNvSpPr>
-            <a:spLocks noGrp="1" noRot="1" noChangeAspect="1"/>
-          </p:cNvSpPr>
-          <p:nvPr>
-            <p:ph type="sldImg"/>
-          </p:nvPr>
-        </p:nvSpPr>
-        <p:spPr/>
-      </p:sp>
-      <p:sp>
-        <p:nvSpPr>
-          <p:cNvPr id="3" name="Notes Placeholder 2"/>
-          <p:cNvSpPr>
-            <a:spLocks noGrp="1"/>
-          </p:cNvSpPr>
-          <p:nvPr>
-            <p:ph type="body" idx="1"/>
-          </p:nvPr>
-        </p:nvSpPr>
-        <p:spPr/>
-        <p:txBody>
-          <a:bodyPr/>
-          <a:lstStyle/>
-          <a:p>
-            <a:endParaRPr lang="en-US" dirty="0"/>
-          </a:p>
-        </p:txBody>
-      </p:sp>
-      <p:sp>
-        <p:nvSpPr>
-          <p:cNvPr id="4" name="Slide Number Placeholder 3"/>
-          <p:cNvSpPr>
-            <a:spLocks noGrp="1"/>
-          </p:cNvSpPr>
-          <p:nvPr>
-            <p:ph type="sldNum" sz="quarter" idx="10"/>
-          </p:nvPr>
-        </p:nvSpPr>
-        <p:spPr/>
-        <p:txBody>
-          <a:bodyPr/>
-          <a:lstStyle/>
-          <a:p>
-            <a:fld id="{F7021451-1387-4CA6-816F-3879F97B5CBC}" type="slidenum">
-              <a:rPr lang="en-US" smtClean="0"/>
-              <a:t>25</a:t>
-            </a:fld>
-            <a:endParaRPr lang="en-US"/>
-          </a:p>
-        </p:txBody>
-      </p:sp>
-    </p:spTree>
-    <p:extLst>
-      <p:ext uri="{BB962C8B-B14F-4D97-AF65-F5344CB8AC3E}">
-        <p14:creationId xmlns:p14="http://schemas.microsoft.com/office/powerpoint/2010/main" val="1024086991"/>
-      </p:ext>
-    </p:extLst>
-  </p:cSld>
-  <p:clrMapOvr>
-    <a:masterClrMapping/>
-  </p:clrMapOvr>
-</p:notes>
-</file>
-
-<file path=ppt/notesSlides/notesSlide21.xml><?xml version="1.0" encoding="utf-8"?>
-<p:notes xmlns:a="http://schemas.openxmlformats.org/drawingml/2006/main" xmlns:r="http://schemas.openxmlformats.org/officeDocument/2006/relationships" xmlns:p="http://schemas.openxmlformats.org/presentationml/2006/main">
-  <p:cSld>
-    <p:spTree>
-      <p:nvGrpSpPr>
         <p:cNvPr id="1" name="">
           <a:extLst>
             <a:ext uri="{FF2B5EF4-FFF2-40B4-BE49-F238E27FC236}">
@@ -5162,7 +5076,7 @@
           <a:p>
             <a:fld id="{F7021451-1387-4CA6-816F-3879F97B5CBC}" type="slidenum">
               <a:rPr lang="en-US" smtClean="0"/>
-              <a:t>26</a:t>
+              <a:t>25</a:t>
             </a:fld>
             <a:endParaRPr lang="en-US"/>
           </a:p>
@@ -5181,7 +5095,7 @@
 </p:notes>
 </file>
 
-<file path=ppt/notesSlides/notesSlide22.xml><?xml version="1.0" encoding="utf-8"?>
+<file path=ppt/notesSlides/notesSlide21.xml><?xml version="1.0" encoding="utf-8"?>
 <p:notes xmlns:a="http://schemas.openxmlformats.org/drawingml/2006/main" xmlns:r="http://schemas.openxmlformats.org/officeDocument/2006/relationships" xmlns:p="http://schemas.openxmlformats.org/presentationml/2006/main">
   <p:cSld>
     <p:spTree>
@@ -5270,7 +5184,7 @@
           <a:p>
             <a:fld id="{F7021451-1387-4CA6-816F-3879F97B5CBC}" type="slidenum">
               <a:rPr lang="en-US" smtClean="0"/>
-              <a:t>27</a:t>
+              <a:t>26</a:t>
             </a:fld>
             <a:endParaRPr lang="en-US"/>
           </a:p>
@@ -5774,7 +5688,7 @@
           <a:p>
             <a:fld id="{F7021451-1387-4CA6-816F-3879F97B5CBC}" type="slidenum">
               <a:rPr lang="en-US" smtClean="0"/>
-              <a:t>9</a:t>
+              <a:t>10</a:t>
             </a:fld>
             <a:endParaRPr lang="en-US"/>
           </a:p>
@@ -33486,154 +33400,6 @@
       </p:grpSpPr>
       <p:sp>
         <p:nvSpPr>
-          <p:cNvPr id="2" name="Content Placeholder 1">
-            <a:extLst>
-              <a:ext uri="{FF2B5EF4-FFF2-40B4-BE49-F238E27FC236}">
-                <a16:creationId xmlns:a16="http://schemas.microsoft.com/office/drawing/2014/main" id="{51720241-2F7E-C9B2-5654-87E3F0BF494C}"/>
-              </a:ext>
-            </a:extLst>
-          </p:cNvPr>
-          <p:cNvSpPr>
-            <a:spLocks noGrp="1"/>
-          </p:cNvSpPr>
-          <p:nvPr>
-            <p:ph idx="1"/>
-          </p:nvPr>
-        </p:nvSpPr>
-        <p:spPr/>
-        <p:txBody>
-          <a:bodyPr/>
-          <a:lstStyle/>
-          <a:p>
-            <a:r>
-              <a:rPr lang="en-US" dirty="0"/>
-              <a:t>Phase - 1 Launch VE</a:t>
-            </a:r>
-          </a:p>
-        </p:txBody>
-      </p:sp>
-      <p:sp>
-        <p:nvSpPr>
-          <p:cNvPr id="3" name="TextBox 2">
-            <a:extLst>
-              <a:ext uri="{FF2B5EF4-FFF2-40B4-BE49-F238E27FC236}">
-                <a16:creationId xmlns:a16="http://schemas.microsoft.com/office/drawing/2014/main" id="{58426475-DCA3-49DF-84EA-B76165053647}"/>
-              </a:ext>
-            </a:extLst>
-          </p:cNvPr>
-          <p:cNvSpPr txBox="1"/>
-          <p:nvPr/>
-        </p:nvSpPr>
-        <p:spPr>
-          <a:xfrm>
-            <a:off x="729049" y="6549081"/>
-            <a:ext cx="0" cy="0"/>
-          </a:xfrm>
-          <a:prstGeom prst="rect">
-            <a:avLst/>
-          </a:prstGeom>
-          <a:noFill/>
-        </p:spPr>
-        <p:txBody>
-          <a:bodyPr wrap="none" lIns="0" tIns="45720" rIns="0" bIns="0" rtlCol="0">
-            <a:noAutofit/>
-          </a:bodyPr>
-          <a:lstStyle/>
-          <a:p>
-            <a:pPr algn="l">
-              <a:lnSpc>
-                <a:spcPct val="114000"/>
-              </a:lnSpc>
-              <a:spcBef>
-                <a:spcPts val="300"/>
-              </a:spcBef>
-              <a:spcAft>
-                <a:spcPts val="300"/>
-              </a:spcAft>
-            </a:pPr>
-            <a:endParaRPr lang="en-US" sz="1600" kern="100" dirty="0">
-              <a:latin typeface="+mj-lt"/>
-            </a:endParaRPr>
-          </a:p>
-        </p:txBody>
-      </p:sp>
-      <p:sp>
-        <p:nvSpPr>
-          <p:cNvPr id="4" name="TextBox 3">
-            <a:extLst>
-              <a:ext uri="{FF2B5EF4-FFF2-40B4-BE49-F238E27FC236}">
-                <a16:creationId xmlns:a16="http://schemas.microsoft.com/office/drawing/2014/main" id="{3E3E4FA4-8785-6C51-44B0-FAE162F773F9}"/>
-              </a:ext>
-            </a:extLst>
-          </p:cNvPr>
-          <p:cNvSpPr txBox="1"/>
-          <p:nvPr/>
-        </p:nvSpPr>
-        <p:spPr>
-          <a:xfrm>
-            <a:off x="543697" y="6549081"/>
-            <a:ext cx="0" cy="0"/>
-          </a:xfrm>
-          <a:prstGeom prst="rect">
-            <a:avLst/>
-          </a:prstGeom>
-          <a:noFill/>
-        </p:spPr>
-        <p:txBody>
-          <a:bodyPr wrap="none" lIns="0" tIns="45720" rIns="0" bIns="0" rtlCol="0">
-            <a:noAutofit/>
-          </a:bodyPr>
-          <a:lstStyle/>
-          <a:p>
-            <a:pPr algn="l">
-              <a:lnSpc>
-                <a:spcPct val="114000"/>
-              </a:lnSpc>
-              <a:spcBef>
-                <a:spcPts val="300"/>
-              </a:spcBef>
-              <a:spcAft>
-                <a:spcPts val="300"/>
-              </a:spcAft>
-            </a:pPr>
-            <a:endParaRPr lang="en-US" sz="1600" kern="100" dirty="0">
-              <a:latin typeface="+mj-lt"/>
-            </a:endParaRPr>
-          </a:p>
-        </p:txBody>
-      </p:sp>
-    </p:spTree>
-    <p:extLst>
-      <p:ext uri="{BB962C8B-B14F-4D97-AF65-F5344CB8AC3E}">
-        <p14:creationId xmlns:p14="http://schemas.microsoft.com/office/powerpoint/2010/main" val="721280238"/>
-      </p:ext>
-    </p:extLst>
-  </p:cSld>
-  <p:clrMapOvr>
-    <a:masterClrMapping/>
-  </p:clrMapOvr>
-</p:sld>
-</file>
-
-<file path=ppt/slides/slide11.xml><?xml version="1.0" encoding="utf-8"?>
-<p:sld xmlns:a="http://schemas.openxmlformats.org/drawingml/2006/main" xmlns:r="http://schemas.openxmlformats.org/officeDocument/2006/relationships" xmlns:p="http://schemas.openxmlformats.org/presentationml/2006/main">
-  <p:cSld>
-    <p:spTree>
-      <p:nvGrpSpPr>
-        <p:cNvPr id="1" name=""/>
-        <p:cNvGrpSpPr/>
-        <p:nvPr/>
-      </p:nvGrpSpPr>
-      <p:grpSpPr>
-        <a:xfrm>
-          <a:off x="0" y="0"/>
-          <a:ext cx="0" cy="0"/>
-          <a:chOff x="0" y="0"/>
-          <a:chExt cx="0" cy="0"/>
-        </a:xfrm>
-      </p:grpSpPr>
-      <p:sp>
-        <p:nvSpPr>
           <p:cNvPr id="9" name="Rectangle 8">
             <a:extLst>
               <a:ext uri="{FF2B5EF4-FFF2-40B4-BE49-F238E27FC236}">
@@ -34055,7 +33821,7 @@
 </p:sld>
 </file>
 
-<file path=ppt/slides/slide12.xml><?xml version="1.0" encoding="utf-8"?>
+<file path=ppt/slides/slide11.xml><?xml version="1.0" encoding="utf-8"?>
 <p:sld xmlns:a="http://schemas.openxmlformats.org/drawingml/2006/main" xmlns:r="http://schemas.openxmlformats.org/officeDocument/2006/relationships" xmlns:p="http://schemas.openxmlformats.org/presentationml/2006/main">
   <p:cSld>
     <p:spTree>
@@ -34506,7 +34272,7 @@
 </p:sld>
 </file>
 
-<file path=ppt/slides/slide13.xml><?xml version="1.0" encoding="utf-8"?>
+<file path=ppt/slides/slide12.xml><?xml version="1.0" encoding="utf-8"?>
 <p:sld xmlns:a="http://schemas.openxmlformats.org/drawingml/2006/main" xmlns:r="http://schemas.openxmlformats.org/officeDocument/2006/relationships" xmlns:p="http://schemas.openxmlformats.org/presentationml/2006/main">
   <p:cSld>
     <p:spTree>
@@ -34960,7 +34726,7 @@
 </p:sld>
 </file>
 
-<file path=ppt/slides/slide14.xml><?xml version="1.0" encoding="utf-8"?>
+<file path=ppt/slides/slide13.xml><?xml version="1.0" encoding="utf-8"?>
 <p:sld xmlns:a="http://schemas.openxmlformats.org/drawingml/2006/main" xmlns:r="http://schemas.openxmlformats.org/officeDocument/2006/relationships" xmlns:p="http://schemas.openxmlformats.org/presentationml/2006/main">
   <p:cSld>
     <p:spTree>
@@ -35404,7 +35170,7 @@
 </p:sld>
 </file>
 
-<file path=ppt/slides/slide15.xml><?xml version="1.0" encoding="utf-8"?>
+<file path=ppt/slides/slide14.xml><?xml version="1.0" encoding="utf-8"?>
 <p:sld xmlns:a="http://schemas.openxmlformats.org/drawingml/2006/main" xmlns:r="http://schemas.openxmlformats.org/officeDocument/2006/relationships" xmlns:p="http://schemas.openxmlformats.org/presentationml/2006/main">
   <p:cSld>
     <p:spTree>
@@ -35534,7 +35300,7 @@
 </p:sld>
 </file>
 
-<file path=ppt/slides/slide16.xml><?xml version="1.0" encoding="utf-8"?>
+<file path=ppt/slides/slide15.xml><?xml version="1.0" encoding="utf-8"?>
 <p:sld xmlns:a="http://schemas.openxmlformats.org/drawingml/2006/main" xmlns:r="http://schemas.openxmlformats.org/officeDocument/2006/relationships" xmlns:p="http://schemas.openxmlformats.org/presentationml/2006/main">
   <p:cSld>
     <p:spTree>
@@ -35592,7 +35358,7 @@
 </p:sld>
 </file>
 
-<file path=ppt/slides/slide17.xml><?xml version="1.0" encoding="utf-8"?>
+<file path=ppt/slides/slide16.xml><?xml version="1.0" encoding="utf-8"?>
 <p:sld xmlns:a="http://schemas.openxmlformats.org/drawingml/2006/main" xmlns:r="http://schemas.openxmlformats.org/officeDocument/2006/relationships" xmlns:p="http://schemas.openxmlformats.org/presentationml/2006/main">
   <p:cSld>
     <p:spTree>
@@ -36153,7 +35919,7 @@
 </p:sld>
 </file>
 
-<file path=ppt/slides/slide18.xml><?xml version="1.0" encoding="utf-8"?>
+<file path=ppt/slides/slide17.xml><?xml version="1.0" encoding="utf-8"?>
 <p:sld xmlns:a="http://schemas.openxmlformats.org/drawingml/2006/main" xmlns:r="http://schemas.openxmlformats.org/officeDocument/2006/relationships" xmlns:p="http://schemas.openxmlformats.org/presentationml/2006/main">
   <p:cSld>
     <p:spTree>
@@ -36307,7 +36073,7 @@
 </p:sld>
 </file>
 
-<file path=ppt/slides/slide19.xml><?xml version="1.0" encoding="utf-8"?>
+<file path=ppt/slides/slide18.xml><?xml version="1.0" encoding="utf-8"?>
 <p:sld xmlns:a="http://schemas.openxmlformats.org/drawingml/2006/main" xmlns:r="http://schemas.openxmlformats.org/officeDocument/2006/relationships" xmlns:p="http://schemas.openxmlformats.org/presentationml/2006/main">
   <p:cSld>
     <p:spTree>
@@ -36371,687 +36137,7 @@
 </p:sld>
 </file>
 
-<file path=ppt/slides/slide2.xml><?xml version="1.0" encoding="utf-8"?>
-<p:sld xmlns:a="http://schemas.openxmlformats.org/drawingml/2006/main" xmlns:r="http://schemas.openxmlformats.org/officeDocument/2006/relationships" xmlns:p="http://schemas.openxmlformats.org/presentationml/2006/main">
-  <p:cSld>
-    <p:spTree>
-      <p:nvGrpSpPr>
-        <p:cNvPr id="1" name=""/>
-        <p:cNvGrpSpPr/>
-        <p:nvPr/>
-      </p:nvGrpSpPr>
-      <p:grpSpPr>
-        <a:xfrm>
-          <a:off x="0" y="0"/>
-          <a:ext cx="0" cy="0"/>
-          <a:chOff x="0" y="0"/>
-          <a:chExt cx="0" cy="0"/>
-        </a:xfrm>
-      </p:grpSpPr>
-      <p:sp>
-        <p:nvSpPr>
-          <p:cNvPr id="11" name="Rectangle 10">
-            <a:extLst>
-              <a:ext uri="{FF2B5EF4-FFF2-40B4-BE49-F238E27FC236}">
-                <a16:creationId xmlns:a16="http://schemas.microsoft.com/office/drawing/2014/main" id="{690134ED-B5A4-65AF-0E59-32C28816F858}"/>
-              </a:ext>
-            </a:extLst>
-          </p:cNvPr>
-          <p:cNvSpPr/>
-          <p:nvPr/>
-        </p:nvSpPr>
-        <p:spPr>
-          <a:xfrm>
-            <a:off x="6096000" y="84083"/>
-            <a:ext cx="6096000" cy="6773917"/>
-          </a:xfrm>
-          <a:prstGeom prst="rect">
-            <a:avLst/>
-          </a:prstGeom>
-          <a:solidFill>
-            <a:schemeClr val="tx1"/>
-          </a:solidFill>
-          <a:ln>
-            <a:noFill/>
-          </a:ln>
-        </p:spPr>
-        <p:style>
-          <a:lnRef idx="2">
-            <a:schemeClr val="accent1">
-              <a:shade val="50000"/>
-            </a:schemeClr>
-          </a:lnRef>
-          <a:fillRef idx="1">
-            <a:schemeClr val="accent1"/>
-          </a:fillRef>
-          <a:effectRef idx="0">
-            <a:schemeClr val="accent1"/>
-          </a:effectRef>
-          <a:fontRef idx="minor">
-            <a:schemeClr val="lt1"/>
-          </a:fontRef>
-        </p:style>
-        <p:txBody>
-          <a:bodyPr rtlCol="0" anchor="ctr"/>
-          <a:lstStyle/>
-          <a:p>
-            <a:pPr algn="l">
-              <a:lnSpc>
-                <a:spcPct val="90000"/>
-              </a:lnSpc>
-              <a:spcBef>
-                <a:spcPts val="200"/>
-              </a:spcBef>
-              <a:spcAft>
-                <a:spcPts val="200"/>
-              </a:spcAft>
-            </a:pPr>
-            <a:endParaRPr lang="en-US" kern="100" err="1">
-              <a:solidFill>
-                <a:schemeClr val="bg1"/>
-              </a:solidFill>
-              <a:latin typeface="+mj-lt"/>
-            </a:endParaRPr>
-          </a:p>
-        </p:txBody>
-      </p:sp>
-      <p:pic>
-        <p:nvPicPr>
-          <p:cNvPr id="12" name="Graphic 11">
-            <a:extLst>
-              <a:ext uri="{FF2B5EF4-FFF2-40B4-BE49-F238E27FC236}">
-                <a16:creationId xmlns:a16="http://schemas.microsoft.com/office/drawing/2014/main" id="{3FE4FC51-A255-F2B4-FEB3-949C6004F9FD}"/>
-              </a:ext>
-            </a:extLst>
-          </p:cNvPr>
-          <p:cNvPicPr>
-            <a:picLocks noChangeAspect="1"/>
-          </p:cNvPicPr>
-          <p:nvPr/>
-        </p:nvPicPr>
-        <p:blipFill>
-          <a:blip r:embed="rId3" cstate="hqprint">
-            <a:extLst>
-              <a:ext uri="{28A0092B-C50C-407E-A947-70E740481C1C}">
-                <a14:useLocalDpi xmlns:a14="http://schemas.microsoft.com/office/drawing/2010/main"/>
-              </a:ext>
-              <a:ext uri="{96DAC541-7B7A-43D3-8B79-37D633B846F1}">
-                <asvg:svgBlip xmlns:asvg="http://schemas.microsoft.com/office/drawing/2016/SVG/main" r:embed="rId4"/>
-              </a:ext>
-            </a:extLst>
-          </a:blip>
-          <a:srcRect l="17159" t="4298" r="14043" b="10603"/>
-          <a:stretch/>
-        </p:blipFill>
-        <p:spPr>
-          <a:xfrm>
-            <a:off x="6095999" y="84083"/>
-            <a:ext cx="6096001" cy="6773918"/>
-          </a:xfrm>
-          <a:prstGeom prst="rect">
-            <a:avLst/>
-          </a:prstGeom>
-        </p:spPr>
-      </p:pic>
-      <p:sp>
-        <p:nvSpPr>
-          <p:cNvPr id="5" name="Title 3">
-            <a:extLst>
-              <a:ext uri="{FF2B5EF4-FFF2-40B4-BE49-F238E27FC236}">
-                <a16:creationId xmlns:a16="http://schemas.microsoft.com/office/drawing/2014/main" id="{33F2508E-308F-ABD5-FBB5-0123394239BF}"/>
-              </a:ext>
-            </a:extLst>
-          </p:cNvPr>
-          <p:cNvSpPr>
-            <a:spLocks noGrp="1"/>
-          </p:cNvSpPr>
-          <p:nvPr>
-            <p:ph type="title"/>
-          </p:nvPr>
-        </p:nvSpPr>
-        <p:spPr>
-          <a:xfrm>
-            <a:off x="457200" y="457200"/>
-            <a:ext cx="5176157" cy="753995"/>
-          </a:xfrm>
-        </p:spPr>
-        <p:txBody>
-          <a:bodyPr/>
-          <a:lstStyle/>
-          <a:p>
-            <a:r>
-              <a:rPr lang="en-US" dirty="0"/>
-              <a:t>Agenda</a:t>
-            </a:r>
-          </a:p>
-        </p:txBody>
-      </p:sp>
-      <p:graphicFrame>
-        <p:nvGraphicFramePr>
-          <p:cNvPr id="9" name="Table 2">
-            <a:extLst>
-              <a:ext uri="{FF2B5EF4-FFF2-40B4-BE49-F238E27FC236}">
-                <a16:creationId xmlns:a16="http://schemas.microsoft.com/office/drawing/2014/main" id="{5A94427C-7C1D-F592-A3F2-625CDC742D37}"/>
-              </a:ext>
-            </a:extLst>
-          </p:cNvPr>
-          <p:cNvGraphicFramePr>
-            <a:graphicFrameLocks noGrp="1"/>
-          </p:cNvGraphicFramePr>
-          <p:nvPr>
-            <p:extLst>
-              <p:ext uri="{D42A27DB-BD31-4B8C-83A1-F6EECF244321}">
-                <p14:modId xmlns:p14="http://schemas.microsoft.com/office/powerpoint/2010/main" val="568256245"/>
-              </p:ext>
-            </p:extLst>
-          </p:nvPr>
-        </p:nvGraphicFramePr>
-        <p:xfrm>
-          <a:off x="489566" y="1981200"/>
-          <a:ext cx="5111424" cy="3936534"/>
-        </p:xfrm>
-        <a:graphic>
-          <a:graphicData uri="http://schemas.openxmlformats.org/drawingml/2006/table">
-            <a:tbl>
-              <a:tblPr>
-                <a:tableStyleId>{5C22544A-7EE6-4342-B048-85BDC9FD1C3A}</a:tableStyleId>
-              </a:tblPr>
-              <a:tblGrid>
-                <a:gridCol w="5111424">
-                  <a:extLst>
-                    <a:ext uri="{9D8B030D-6E8A-4147-A177-3AD203B41FA5}">
-                      <a16:colId xmlns:a16="http://schemas.microsoft.com/office/drawing/2014/main" val="4191562579"/>
-                    </a:ext>
-                  </a:extLst>
-                </a:gridCol>
-              </a:tblGrid>
-              <a:tr h="656089">
-                <a:tc>
-                  <a:txBody>
-                    <a:bodyPr/>
-                    <a:lstStyle/>
-                    <a:p>
-                      <a:pPr algn="l">
-                        <a:buSzPct val="100000"/>
-                      </a:pPr>
-                      <a:r>
-                        <a:rPr lang="en-US" sz="1600" dirty="0">
-                          <a:solidFill>
-                            <a:srgbClr val="000000"/>
-                          </a:solidFill>
-                          <a:ea typeface="Carlito" pitchFamily="34" charset="-122"/>
-                          <a:cs typeface="Carlito" pitchFamily="34" charset="-120"/>
-                        </a:rPr>
-                        <a:t>Introduction</a:t>
-                      </a:r>
-                    </a:p>
-                  </a:txBody>
-                  <a:tcPr marL="0" marT="182880" marB="182880" anchor="ctr">
-                    <a:lnL w="12700" cap="flat" cmpd="sng" algn="ctr">
-                      <a:noFill/>
-                      <a:prstDash val="solid"/>
-                      <a:round/>
-                      <a:headEnd type="none" w="med" len="med"/>
-                      <a:tailEnd type="none" w="med" len="med"/>
-                    </a:lnL>
-                    <a:lnR w="12700" cap="flat" cmpd="sng" algn="ctr">
-                      <a:noFill/>
-                      <a:prstDash val="solid"/>
-                      <a:round/>
-                      <a:headEnd type="none" w="med" len="med"/>
-                      <a:tailEnd type="none" w="med" len="med"/>
-                    </a:lnR>
-                    <a:lnT w="12700" cap="flat" cmpd="sng" algn="ctr">
-                      <a:solidFill>
-                        <a:schemeClr val="bg1">
-                          <a:lumMod val="85000"/>
-                        </a:schemeClr>
-                      </a:solidFill>
-                      <a:prstDash val="solid"/>
-                      <a:round/>
-                      <a:headEnd type="none" w="med" len="med"/>
-                      <a:tailEnd type="none" w="med" len="med"/>
-                    </a:lnT>
-                    <a:lnB w="12700" cap="flat" cmpd="sng" algn="ctr">
-                      <a:solidFill>
-                        <a:schemeClr val="bg1">
-                          <a:lumMod val="85000"/>
-                        </a:schemeClr>
-                      </a:solidFill>
-                      <a:prstDash val="solid"/>
-                      <a:round/>
-                      <a:headEnd type="none" w="med" len="med"/>
-                      <a:tailEnd type="none" w="med" len="med"/>
-                    </a:lnB>
-                    <a:noFill/>
-                  </a:tcPr>
-                </a:tc>
-                <a:extLst>
-                  <a:ext uri="{0D108BD9-81ED-4DB2-BD59-A6C34878D82A}">
-                    <a16:rowId xmlns:a16="http://schemas.microsoft.com/office/drawing/2014/main" val="2012648394"/>
-                  </a:ext>
-                </a:extLst>
-              </a:tr>
-              <a:tr h="656089">
-                <a:tc>
-                  <a:txBody>
-                    <a:bodyPr/>
-                    <a:lstStyle/>
-                    <a:p>
-                      <a:pPr algn="l">
-                        <a:spcBef>
-                          <a:spcPts val="2656"/>
-                        </a:spcBef>
-                        <a:buSzPct val="100000"/>
-                      </a:pPr>
-                      <a:r>
-                        <a:rPr lang="en-US" sz="1600" dirty="0">
-                          <a:solidFill>
-                            <a:srgbClr val="000000"/>
-                          </a:solidFill>
-                          <a:ea typeface="Carlito" pitchFamily="34" charset="-122"/>
-                          <a:cs typeface="Carlito" pitchFamily="34" charset="-120"/>
-                        </a:rPr>
-                        <a:t>F5 and Paciolan</a:t>
-                      </a:r>
-                    </a:p>
-                  </a:txBody>
-                  <a:tcPr marL="0" marT="182880" marB="182880" anchor="ctr">
-                    <a:lnL w="12700" cap="flat" cmpd="sng" algn="ctr">
-                      <a:noFill/>
-                      <a:prstDash val="solid"/>
-                      <a:round/>
-                      <a:headEnd type="none" w="med" len="med"/>
-                      <a:tailEnd type="none" w="med" len="med"/>
-                    </a:lnL>
-                    <a:lnR w="12700" cap="flat" cmpd="sng" algn="ctr">
-                      <a:noFill/>
-                      <a:prstDash val="solid"/>
-                      <a:round/>
-                      <a:headEnd type="none" w="med" len="med"/>
-                      <a:tailEnd type="none" w="med" len="med"/>
-                    </a:lnR>
-                    <a:lnT w="12700" cap="flat" cmpd="sng" algn="ctr">
-                      <a:solidFill>
-                        <a:schemeClr val="bg1">
-                          <a:lumMod val="85000"/>
-                        </a:schemeClr>
-                      </a:solidFill>
-                      <a:prstDash val="solid"/>
-                      <a:round/>
-                      <a:headEnd type="none" w="med" len="med"/>
-                      <a:tailEnd type="none" w="med" len="med"/>
-                    </a:lnT>
-                    <a:lnB w="12700" cap="flat" cmpd="sng" algn="ctr">
-                      <a:solidFill>
-                        <a:schemeClr val="bg1">
-                          <a:lumMod val="85000"/>
-                        </a:schemeClr>
-                      </a:solidFill>
-                      <a:prstDash val="solid"/>
-                      <a:round/>
-                      <a:headEnd type="none" w="med" len="med"/>
-                      <a:tailEnd type="none" w="med" len="med"/>
-                    </a:lnB>
-                    <a:noFill/>
-                  </a:tcPr>
-                </a:tc>
-                <a:extLst>
-                  <a:ext uri="{0D108BD9-81ED-4DB2-BD59-A6C34878D82A}">
-                    <a16:rowId xmlns:a16="http://schemas.microsoft.com/office/drawing/2014/main" val="2043233216"/>
-                  </a:ext>
-                </a:extLst>
-              </a:tr>
-              <a:tr h="656089">
-                <a:tc>
-                  <a:txBody>
-                    <a:bodyPr/>
-                    <a:lstStyle/>
-                    <a:p>
-                      <a:pPr algn="l">
-                        <a:spcBef>
-                          <a:spcPts val="2656"/>
-                        </a:spcBef>
-                        <a:buSzPct val="100000"/>
-                      </a:pPr>
-                      <a:r>
-                        <a:rPr lang="en-US" sz="1600" dirty="0">
-                          <a:solidFill>
-                            <a:srgbClr val="000000"/>
-                          </a:solidFill>
-                          <a:ea typeface="Carlito" pitchFamily="34" charset="-122"/>
-                          <a:cs typeface="Carlito" pitchFamily="34" charset="-120"/>
-                        </a:rPr>
-                        <a:t>Data center to the cloud</a:t>
-                      </a:r>
-                    </a:p>
-                  </a:txBody>
-                  <a:tcPr marL="0" marT="182880" marB="182880" anchor="ctr">
-                    <a:lnL w="12700" cap="flat" cmpd="sng" algn="ctr">
-                      <a:noFill/>
-                      <a:prstDash val="solid"/>
-                      <a:round/>
-                      <a:headEnd type="none" w="med" len="med"/>
-                      <a:tailEnd type="none" w="med" len="med"/>
-                    </a:lnL>
-                    <a:lnR w="12700" cap="flat" cmpd="sng" algn="ctr">
-                      <a:noFill/>
-                      <a:prstDash val="solid"/>
-                      <a:round/>
-                      <a:headEnd type="none" w="med" len="med"/>
-                      <a:tailEnd type="none" w="med" len="med"/>
-                    </a:lnR>
-                    <a:lnT w="12700" cap="flat" cmpd="sng" algn="ctr">
-                      <a:solidFill>
-                        <a:schemeClr val="bg1">
-                          <a:lumMod val="85000"/>
-                        </a:schemeClr>
-                      </a:solidFill>
-                      <a:prstDash val="solid"/>
-                      <a:round/>
-                      <a:headEnd type="none" w="med" len="med"/>
-                      <a:tailEnd type="none" w="med" len="med"/>
-                    </a:lnT>
-                    <a:lnB w="12700" cap="flat" cmpd="sng" algn="ctr">
-                      <a:solidFill>
-                        <a:schemeClr val="bg1">
-                          <a:lumMod val="85000"/>
-                        </a:schemeClr>
-                      </a:solidFill>
-                      <a:prstDash val="solid"/>
-                      <a:round/>
-                      <a:headEnd type="none" w="med" len="med"/>
-                      <a:tailEnd type="none" w="med" len="med"/>
-                    </a:lnB>
-                    <a:noFill/>
-                  </a:tcPr>
-                </a:tc>
-                <a:extLst>
-                  <a:ext uri="{0D108BD9-81ED-4DB2-BD59-A6C34878D82A}">
-                    <a16:rowId xmlns:a16="http://schemas.microsoft.com/office/drawing/2014/main" val="732139115"/>
-                  </a:ext>
-                </a:extLst>
-              </a:tr>
-              <a:tr h="656089">
-                <a:tc>
-                  <a:txBody>
-                    <a:bodyPr/>
-                    <a:lstStyle/>
-                    <a:p>
-                      <a:pPr algn="l">
-                        <a:spcBef>
-                          <a:spcPts val="2656"/>
-                        </a:spcBef>
-                        <a:buSzPct val="100000"/>
-                      </a:pPr>
-                      <a:r>
-                        <a:rPr lang="en-US" sz="1600" dirty="0">
-                          <a:solidFill>
-                            <a:srgbClr val="000000"/>
-                          </a:solidFill>
-                          <a:ea typeface="Carlito" pitchFamily="34" charset="-122"/>
-                          <a:cs typeface="Carlito" pitchFamily="34" charset="-120"/>
-                        </a:rPr>
-                        <a:t>Architecture diagram</a:t>
-                      </a:r>
-                    </a:p>
-                  </a:txBody>
-                  <a:tcPr marL="0" marT="182880" marB="182880" anchor="ctr">
-                    <a:lnL w="12700" cap="flat" cmpd="sng" algn="ctr">
-                      <a:noFill/>
-                      <a:prstDash val="solid"/>
-                      <a:round/>
-                      <a:headEnd type="none" w="med" len="med"/>
-                      <a:tailEnd type="none" w="med" len="med"/>
-                    </a:lnL>
-                    <a:lnR w="12700" cap="flat" cmpd="sng" algn="ctr">
-                      <a:noFill/>
-                      <a:prstDash val="solid"/>
-                      <a:round/>
-                      <a:headEnd type="none" w="med" len="med"/>
-                      <a:tailEnd type="none" w="med" len="med"/>
-                    </a:lnR>
-                    <a:lnT w="12700" cap="flat" cmpd="sng" algn="ctr">
-                      <a:solidFill>
-                        <a:schemeClr val="bg1">
-                          <a:lumMod val="85000"/>
-                        </a:schemeClr>
-                      </a:solidFill>
-                      <a:prstDash val="solid"/>
-                      <a:round/>
-                      <a:headEnd type="none" w="med" len="med"/>
-                      <a:tailEnd type="none" w="med" len="med"/>
-                    </a:lnT>
-                    <a:lnB w="12700" cap="flat" cmpd="sng" algn="ctr">
-                      <a:solidFill>
-                        <a:schemeClr val="bg1">
-                          <a:lumMod val="85000"/>
-                        </a:schemeClr>
-                      </a:solidFill>
-                      <a:prstDash val="solid"/>
-                      <a:round/>
-                      <a:headEnd type="none" w="med" len="med"/>
-                      <a:tailEnd type="none" w="med" len="med"/>
-                    </a:lnB>
-                    <a:noFill/>
-                  </a:tcPr>
-                </a:tc>
-                <a:extLst>
-                  <a:ext uri="{0D108BD9-81ED-4DB2-BD59-A6C34878D82A}">
-                    <a16:rowId xmlns:a16="http://schemas.microsoft.com/office/drawing/2014/main" val="1009012228"/>
-                  </a:ext>
-                </a:extLst>
-              </a:tr>
-              <a:tr h="656089">
-                <a:tc>
-                  <a:txBody>
-                    <a:bodyPr/>
-                    <a:lstStyle/>
-                    <a:p>
-                      <a:pPr algn="l">
-                        <a:spcBef>
-                          <a:spcPts val="2656"/>
-                        </a:spcBef>
-                        <a:buSzPct val="100000"/>
-                      </a:pPr>
-                      <a:r>
-                        <a:rPr lang="en-US" sz="1600" dirty="0">
-                          <a:solidFill>
-                            <a:srgbClr val="000000"/>
-                          </a:solidFill>
-                          <a:ea typeface="Carlito" pitchFamily="34" charset="-122"/>
-                          <a:cs typeface="Carlito" pitchFamily="34" charset="-120"/>
-                        </a:rPr>
-                        <a:t>Prerequisites</a:t>
-                      </a:r>
-                    </a:p>
-                  </a:txBody>
-                  <a:tcPr marL="0" marT="182880" marB="182880" anchor="ctr">
-                    <a:lnL w="12700" cap="flat" cmpd="sng" algn="ctr">
-                      <a:noFill/>
-                      <a:prstDash val="solid"/>
-                      <a:round/>
-                      <a:headEnd type="none" w="med" len="med"/>
-                      <a:tailEnd type="none" w="med" len="med"/>
-                    </a:lnL>
-                    <a:lnR w="12700" cap="flat" cmpd="sng" algn="ctr">
-                      <a:noFill/>
-                      <a:prstDash val="solid"/>
-                      <a:round/>
-                      <a:headEnd type="none" w="med" len="med"/>
-                      <a:tailEnd type="none" w="med" len="med"/>
-                    </a:lnR>
-                    <a:lnT w="12700" cap="flat" cmpd="sng" algn="ctr">
-                      <a:solidFill>
-                        <a:schemeClr val="bg1">
-                          <a:lumMod val="85000"/>
-                        </a:schemeClr>
-                      </a:solidFill>
-                      <a:prstDash val="solid"/>
-                      <a:round/>
-                      <a:headEnd type="none" w="med" len="med"/>
-                      <a:tailEnd type="none" w="med" len="med"/>
-                    </a:lnT>
-                    <a:lnB w="12700" cap="flat" cmpd="sng" algn="ctr">
-                      <a:solidFill>
-                        <a:schemeClr val="bg1">
-                          <a:lumMod val="85000"/>
-                        </a:schemeClr>
-                      </a:solidFill>
-                      <a:prstDash val="solid"/>
-                      <a:round/>
-                      <a:headEnd type="none" w="med" len="med"/>
-                      <a:tailEnd type="none" w="med" len="med"/>
-                    </a:lnB>
-                    <a:noFill/>
-                  </a:tcPr>
-                </a:tc>
-                <a:extLst>
-                  <a:ext uri="{0D108BD9-81ED-4DB2-BD59-A6C34878D82A}">
-                    <a16:rowId xmlns:a16="http://schemas.microsoft.com/office/drawing/2014/main" val="1595232058"/>
-                  </a:ext>
-                </a:extLst>
-              </a:tr>
-              <a:tr h="656089">
-                <a:tc>
-                  <a:txBody>
-                    <a:bodyPr/>
-                    <a:lstStyle/>
-                    <a:p>
-                      <a:pPr marL="0" marR="0" lvl="0" indent="0" algn="l" defTabSz="914400" rtl="0" eaLnBrk="1" fontAlgn="auto" latinLnBrk="0" hangingPunct="1">
-                        <a:lnSpc>
-                          <a:spcPct val="100000"/>
-                        </a:lnSpc>
-                        <a:spcBef>
-                          <a:spcPts val="2656"/>
-                        </a:spcBef>
-                        <a:spcAft>
-                          <a:spcPts val="0"/>
-                        </a:spcAft>
-                        <a:buClrTx/>
-                        <a:buSzPct val="100000"/>
-                        <a:buFontTx/>
-                        <a:buNone/>
-                        <a:tabLst/>
-                        <a:defRPr/>
-                      </a:pPr>
-                      <a:r>
-                        <a:rPr lang="en-US" sz="1600" dirty="0">
-                          <a:solidFill>
-                            <a:srgbClr val="000000"/>
-                          </a:solidFill>
-                          <a:ea typeface="Carlito" pitchFamily="34" charset="-122"/>
-                          <a:cs typeface="Carlito" pitchFamily="34" charset="-120"/>
-                        </a:rPr>
-                        <a:t>Demo</a:t>
-                      </a:r>
-                      <a:endParaRPr lang="en-US" sz="1600" dirty="0"/>
-                    </a:p>
-                  </a:txBody>
-                  <a:tcPr marL="0" marT="182880" marB="182880" anchor="ctr">
-                    <a:lnL w="12700" cap="flat" cmpd="sng" algn="ctr">
-                      <a:noFill/>
-                      <a:prstDash val="solid"/>
-                      <a:round/>
-                      <a:headEnd type="none" w="med" len="med"/>
-                      <a:tailEnd type="none" w="med" len="med"/>
-                    </a:lnL>
-                    <a:lnR w="12700" cap="flat" cmpd="sng" algn="ctr">
-                      <a:noFill/>
-                      <a:prstDash val="solid"/>
-                      <a:round/>
-                      <a:headEnd type="none" w="med" len="med"/>
-                      <a:tailEnd type="none" w="med" len="med"/>
-                    </a:lnR>
-                    <a:lnT w="12700" cap="flat" cmpd="sng" algn="ctr">
-                      <a:solidFill>
-                        <a:schemeClr val="bg1">
-                          <a:lumMod val="85000"/>
-                        </a:schemeClr>
-                      </a:solidFill>
-                      <a:prstDash val="solid"/>
-                      <a:round/>
-                      <a:headEnd type="none" w="med" len="med"/>
-                      <a:tailEnd type="none" w="med" len="med"/>
-                    </a:lnT>
-                    <a:lnB w="12700" cap="flat" cmpd="sng" algn="ctr">
-                      <a:solidFill>
-                        <a:schemeClr val="bg1">
-                          <a:lumMod val="85000"/>
-                        </a:schemeClr>
-                      </a:solidFill>
-                      <a:prstDash val="solid"/>
-                      <a:round/>
-                      <a:headEnd type="none" w="med" len="med"/>
-                      <a:tailEnd type="none" w="med" len="med"/>
-                    </a:lnB>
-                    <a:noFill/>
-                  </a:tcPr>
-                </a:tc>
-                <a:extLst>
-                  <a:ext uri="{0D108BD9-81ED-4DB2-BD59-A6C34878D82A}">
-                    <a16:rowId xmlns:a16="http://schemas.microsoft.com/office/drawing/2014/main" val="2545600792"/>
-                  </a:ext>
-                </a:extLst>
-              </a:tr>
-            </a:tbl>
-          </a:graphicData>
-        </a:graphic>
-      </p:graphicFrame>
-      <p:sp>
-        <p:nvSpPr>
-          <p:cNvPr id="10" name="TextBox 9">
-            <a:extLst>
-              <a:ext uri="{FF2B5EF4-FFF2-40B4-BE49-F238E27FC236}">
-                <a16:creationId xmlns:a16="http://schemas.microsoft.com/office/drawing/2014/main" id="{C853A1D1-FFA2-8B84-C43B-90D5C0F2B416}"/>
-              </a:ext>
-            </a:extLst>
-          </p:cNvPr>
-          <p:cNvSpPr txBox="1"/>
-          <p:nvPr/>
-        </p:nvSpPr>
-        <p:spPr>
-          <a:xfrm>
-            <a:off x="5327374" y="39757"/>
-            <a:ext cx="0" cy="0"/>
-          </a:xfrm>
-          <a:prstGeom prst="rect">
-            <a:avLst/>
-          </a:prstGeom>
-          <a:noFill/>
-        </p:spPr>
-        <p:txBody>
-          <a:bodyPr wrap="none" lIns="0" tIns="45720" rIns="0" bIns="0" rtlCol="0">
-            <a:noAutofit/>
-          </a:bodyPr>
-          <a:lstStyle/>
-          <a:p>
-            <a:pPr algn="l">
-              <a:lnSpc>
-                <a:spcPct val="114000"/>
-              </a:lnSpc>
-              <a:spcBef>
-                <a:spcPts val="300"/>
-              </a:spcBef>
-              <a:spcAft>
-                <a:spcPts val="300"/>
-              </a:spcAft>
-            </a:pPr>
-            <a:endParaRPr lang="en-US" sz="1600" kern="100" dirty="0">
-              <a:latin typeface="+mj-lt"/>
-            </a:endParaRPr>
-          </a:p>
-        </p:txBody>
-      </p:sp>
-    </p:spTree>
-  </p:cSld>
-  <p:clrMapOvr>
-    <a:masterClrMapping/>
-  </p:clrMapOvr>
-</p:sld>
-</file>
-
-<file path=ppt/slides/slide20.xml><?xml version="1.0" encoding="utf-8"?>
+<file path=ppt/slides/slide19.xml><?xml version="1.0" encoding="utf-8"?>
 <p:sld xmlns:a="http://schemas.openxmlformats.org/drawingml/2006/main" xmlns:r="http://schemas.openxmlformats.org/officeDocument/2006/relationships" xmlns:p="http://schemas.openxmlformats.org/presentationml/2006/main">
   <p:cSld>
     <p:spTree>
@@ -37546,7 +36632,519 @@
 </p:sld>
 </file>
 
-<file path=ppt/slides/slide21.xml><?xml version="1.0" encoding="utf-8"?>
+<file path=ppt/slides/slide2.xml><?xml version="1.0" encoding="utf-8"?>
+<p:sld xmlns:a="http://schemas.openxmlformats.org/drawingml/2006/main" xmlns:r="http://schemas.openxmlformats.org/officeDocument/2006/relationships" xmlns:p="http://schemas.openxmlformats.org/presentationml/2006/main">
+  <p:cSld>
+    <p:spTree>
+      <p:nvGrpSpPr>
+        <p:cNvPr id="1" name=""/>
+        <p:cNvGrpSpPr/>
+        <p:nvPr/>
+      </p:nvGrpSpPr>
+      <p:grpSpPr>
+        <a:xfrm>
+          <a:off x="0" y="0"/>
+          <a:ext cx="0" cy="0"/>
+          <a:chOff x="0" y="0"/>
+          <a:chExt cx="0" cy="0"/>
+        </a:xfrm>
+      </p:grpSpPr>
+      <p:pic>
+        <p:nvPicPr>
+          <p:cNvPr id="3" name="Object 2"/>
+          <p:cNvPicPr>
+            <a:picLocks noChangeAspect="1"/>
+          </p:cNvPicPr>
+          <p:nvPr/>
+        </p:nvPicPr>
+        <p:blipFill>
+          <a:blip r:embed="rId3"/>
+          <a:srcRect/>
+          <a:stretch/>
+        </p:blipFill>
+        <p:spPr>
+          <a:xfrm>
+            <a:off x="11486415" y="6429403"/>
+            <a:ext cx="246896" cy="246896"/>
+          </a:xfrm>
+          <a:prstGeom prst="rect">
+            <a:avLst/>
+          </a:prstGeom>
+        </p:spPr>
+      </p:pic>
+      <p:pic>
+        <p:nvPicPr>
+          <p:cNvPr id="4" name="Object 3"/>
+          <p:cNvPicPr>
+            <a:picLocks noChangeAspect="1"/>
+          </p:cNvPicPr>
+          <p:nvPr/>
+        </p:nvPicPr>
+        <p:blipFill>
+          <a:blip r:embed="rId4"/>
+          <a:srcRect l="880" r="880"/>
+          <a:stretch/>
+        </p:blipFill>
+        <p:spPr>
+          <a:xfrm>
+            <a:off x="0" y="34"/>
+            <a:ext cx="12188952" cy="94295"/>
+          </a:xfrm>
+          <a:prstGeom prst="rect">
+            <a:avLst/>
+          </a:prstGeom>
+        </p:spPr>
+      </p:pic>
+      <p:sp>
+        <p:nvSpPr>
+          <p:cNvPr id="37" name="TextBox 36">
+            <a:extLst>
+              <a:ext uri="{FF2B5EF4-FFF2-40B4-BE49-F238E27FC236}">
+                <a16:creationId xmlns:a16="http://schemas.microsoft.com/office/drawing/2014/main" id="{BAF92C18-998A-EDBC-7C8A-B5770F6C1DB9}"/>
+              </a:ext>
+            </a:extLst>
+          </p:cNvPr>
+          <p:cNvSpPr txBox="1"/>
+          <p:nvPr/>
+        </p:nvSpPr>
+        <p:spPr>
+          <a:xfrm>
+            <a:off x="401736" y="2800831"/>
+            <a:ext cx="4508622" cy="1400383"/>
+          </a:xfrm>
+          <a:prstGeom prst="rect">
+            <a:avLst/>
+          </a:prstGeom>
+          <a:noFill/>
+        </p:spPr>
+        <p:txBody>
+          <a:bodyPr wrap="square">
+            <a:spAutoFit/>
+          </a:bodyPr>
+          <a:lstStyle/>
+          <a:p>
+            <a:pPr>
+              <a:spcAft>
+                <a:spcPts val="600"/>
+              </a:spcAft>
+              <a:buClr>
+                <a:srgbClr val="000000"/>
+              </a:buClr>
+              <a:buSzPts val="800"/>
+            </a:pPr>
+            <a:r>
+              <a:rPr lang="en-US" sz="3200" b="1" dirty="0">
+                <a:solidFill>
+                  <a:schemeClr val="bg1"/>
+                </a:solidFill>
+                <a:latin typeface="+mj-lt"/>
+                <a:ea typeface="Arial"/>
+                <a:cs typeface="Arial"/>
+                <a:sym typeface="Arial"/>
+              </a:rPr>
+              <a:t>Muhammad Shoaib</a:t>
+            </a:r>
+          </a:p>
+          <a:p>
+            <a:pPr>
+              <a:spcAft>
+                <a:spcPts val="600"/>
+              </a:spcAft>
+              <a:buClr>
+                <a:srgbClr val="000000"/>
+              </a:buClr>
+              <a:buSzPts val="800"/>
+            </a:pPr>
+            <a:r>
+              <a:rPr lang="en-US" sz="2400" dirty="0">
+                <a:solidFill>
+                  <a:schemeClr val="bg1"/>
+                </a:solidFill>
+                <a:ea typeface="Arial"/>
+                <a:cs typeface="Arial"/>
+                <a:sym typeface="Arial"/>
+              </a:rPr>
+              <a:t>Director of Edge and Infrastructure Security</a:t>
+            </a:r>
+          </a:p>
+        </p:txBody>
+      </p:sp>
+      <p:pic>
+        <p:nvPicPr>
+          <p:cNvPr id="42" name="Object 7">
+            <a:extLst>
+              <a:ext uri="{FF2B5EF4-FFF2-40B4-BE49-F238E27FC236}">
+                <a16:creationId xmlns:a16="http://schemas.microsoft.com/office/drawing/2014/main" id="{2C7661B0-1C15-87AF-B131-71CA83EAA480}"/>
+              </a:ext>
+            </a:extLst>
+          </p:cNvPr>
+          <p:cNvPicPr>
+            <a:picLocks noChangeAspect="1"/>
+          </p:cNvPicPr>
+          <p:nvPr/>
+        </p:nvPicPr>
+        <p:blipFill>
+          <a:blip r:embed="rId5"/>
+          <a:srcRect t="183" b="183"/>
+          <a:stretch/>
+        </p:blipFill>
+        <p:spPr>
+          <a:xfrm>
+            <a:off x="401736" y="576923"/>
+            <a:ext cx="2331066" cy="985625"/>
+          </a:xfrm>
+          <a:prstGeom prst="rect">
+            <a:avLst/>
+          </a:prstGeom>
+        </p:spPr>
+      </p:pic>
+      <p:sp>
+        <p:nvSpPr>
+          <p:cNvPr id="51" name="Oval 50">
+            <a:extLst>
+              <a:ext uri="{FF2B5EF4-FFF2-40B4-BE49-F238E27FC236}">
+                <a16:creationId xmlns:a16="http://schemas.microsoft.com/office/drawing/2014/main" id="{AFF2489A-DF87-7C7A-403E-23E0E1CE4752}"/>
+              </a:ext>
+            </a:extLst>
+          </p:cNvPr>
+          <p:cNvSpPr/>
+          <p:nvPr/>
+        </p:nvSpPr>
+        <p:spPr>
+          <a:xfrm>
+            <a:off x="6917235" y="1456535"/>
+            <a:ext cx="3966565" cy="3966564"/>
+          </a:xfrm>
+          <a:prstGeom prst="ellipse">
+            <a:avLst/>
+          </a:prstGeom>
+          <a:solidFill>
+            <a:srgbClr val="E51D2E"/>
+          </a:solidFill>
+          <a:ln>
+            <a:noFill/>
+          </a:ln>
+        </p:spPr>
+        <p:style>
+          <a:lnRef idx="2">
+            <a:schemeClr val="accent1">
+              <a:shade val="50000"/>
+            </a:schemeClr>
+          </a:lnRef>
+          <a:fillRef idx="1">
+            <a:schemeClr val="accent1"/>
+          </a:fillRef>
+          <a:effectRef idx="0">
+            <a:schemeClr val="accent1"/>
+          </a:effectRef>
+          <a:fontRef idx="minor">
+            <a:schemeClr val="lt1"/>
+          </a:fontRef>
+        </p:style>
+        <p:txBody>
+          <a:bodyPr rtlCol="0" anchor="ctr"/>
+          <a:lstStyle/>
+          <a:p>
+            <a:pPr algn="l">
+              <a:lnSpc>
+                <a:spcPct val="90000"/>
+              </a:lnSpc>
+              <a:spcBef>
+                <a:spcPts val="200"/>
+              </a:spcBef>
+              <a:spcAft>
+                <a:spcPts val="200"/>
+              </a:spcAft>
+            </a:pPr>
+            <a:endParaRPr lang="en-US" kern="100" dirty="0" err="1">
+              <a:solidFill>
+                <a:schemeClr val="bg1"/>
+              </a:solidFill>
+              <a:latin typeface="+mj-lt"/>
+            </a:endParaRPr>
+          </a:p>
+        </p:txBody>
+      </p:sp>
+      <p:grpSp>
+        <p:nvGrpSpPr>
+          <p:cNvPr id="52" name="Group 51">
+            <a:extLst>
+              <a:ext uri="{FF2B5EF4-FFF2-40B4-BE49-F238E27FC236}">
+                <a16:creationId xmlns:a16="http://schemas.microsoft.com/office/drawing/2014/main" id="{F748E549-1456-97A2-1073-00D54D2542D0}"/>
+              </a:ext>
+            </a:extLst>
+          </p:cNvPr>
+          <p:cNvGrpSpPr/>
+          <p:nvPr/>
+        </p:nvGrpSpPr>
+        <p:grpSpPr>
+          <a:xfrm>
+            <a:off x="6768776" y="392307"/>
+            <a:ext cx="4384530" cy="5042197"/>
+            <a:chOff x="13489098" y="16029"/>
+            <a:chExt cx="5126663" cy="5895648"/>
+          </a:xfrm>
+        </p:grpSpPr>
+        <p:pic>
+          <p:nvPicPr>
+            <p:cNvPr id="53" name="Picture 52" descr="A person in a suit and glasses&#10;&#10;AI-generated content may be incorrect.">
+              <a:extLst>
+                <a:ext uri="{FF2B5EF4-FFF2-40B4-BE49-F238E27FC236}">
+                  <a16:creationId xmlns:a16="http://schemas.microsoft.com/office/drawing/2014/main" id="{9FE569F6-47A8-080F-9BEE-FF7DD375982D}"/>
+                </a:ext>
+              </a:extLst>
+            </p:cNvPr>
+            <p:cNvPicPr>
+              <a:picLocks noChangeAspect="1"/>
+            </p:cNvPicPr>
+            <p:nvPr/>
+          </p:nvPicPr>
+          <p:blipFill>
+            <a:blip r:embed="rId6"/>
+            <a:srcRect l="14520" t="21157" r="20220"/>
+            <a:stretch>
+              <a:fillRect/>
+            </a:stretch>
+          </p:blipFill>
+          <p:spPr>
+            <a:xfrm>
+              <a:off x="13670806" y="1262377"/>
+              <a:ext cx="4650032" cy="4649300"/>
+            </a:xfrm>
+            <a:custGeom>
+              <a:avLst/>
+              <a:gdLst>
+                <a:gd name="connsiteX0" fmla="*/ 2318976 w 4637953"/>
+                <a:gd name="connsiteY0" fmla="*/ 0 h 4637223"/>
+                <a:gd name="connsiteX1" fmla="*/ 4637953 w 4637953"/>
+                <a:gd name="connsiteY1" fmla="*/ 2318976 h 4637223"/>
+                <a:gd name="connsiteX2" fmla="*/ 2556078 w 4637953"/>
+                <a:gd name="connsiteY2" fmla="*/ 4625980 h 4637223"/>
+                <a:gd name="connsiteX3" fmla="*/ 2333413 w 4637953"/>
+                <a:gd name="connsiteY3" fmla="*/ 4637223 h 4637223"/>
+                <a:gd name="connsiteX4" fmla="*/ 2304539 w 4637953"/>
+                <a:gd name="connsiteY4" fmla="*/ 4637223 h 4637223"/>
+                <a:gd name="connsiteX5" fmla="*/ 2081874 w 4637953"/>
+                <a:gd name="connsiteY5" fmla="*/ 4625980 h 4637223"/>
+                <a:gd name="connsiteX6" fmla="*/ 0 w 4637953"/>
+                <a:gd name="connsiteY6" fmla="*/ 2318976 h 4637223"/>
+                <a:gd name="connsiteX7" fmla="*/ 2318976 w 4637953"/>
+                <a:gd name="connsiteY7" fmla="*/ 0 h 4637223"/>
+              </a:gdLst>
+              <a:ahLst/>
+              <a:cxnLst>
+                <a:cxn ang="0">
+                  <a:pos x="connsiteX0" y="connsiteY0"/>
+                </a:cxn>
+                <a:cxn ang="0">
+                  <a:pos x="connsiteX1" y="connsiteY1"/>
+                </a:cxn>
+                <a:cxn ang="0">
+                  <a:pos x="connsiteX2" y="connsiteY2"/>
+                </a:cxn>
+                <a:cxn ang="0">
+                  <a:pos x="connsiteX3" y="connsiteY3"/>
+                </a:cxn>
+                <a:cxn ang="0">
+                  <a:pos x="connsiteX4" y="connsiteY4"/>
+                </a:cxn>
+                <a:cxn ang="0">
+                  <a:pos x="connsiteX5" y="connsiteY5"/>
+                </a:cxn>
+                <a:cxn ang="0">
+                  <a:pos x="connsiteX6" y="connsiteY6"/>
+                </a:cxn>
+                <a:cxn ang="0">
+                  <a:pos x="connsiteX7" y="connsiteY7"/>
+                </a:cxn>
+              </a:cxnLst>
+              <a:rect l="l" t="t" r="r" b="b"/>
+              <a:pathLst>
+                <a:path w="4637953" h="4637223">
+                  <a:moveTo>
+                    <a:pt x="2318976" y="0"/>
+                  </a:moveTo>
+                  <a:cubicBezTo>
+                    <a:pt x="3599711" y="0"/>
+                    <a:pt x="4637953" y="1038241"/>
+                    <a:pt x="4637953" y="2318976"/>
+                  </a:cubicBezTo>
+                  <a:cubicBezTo>
+                    <a:pt x="4637953" y="3519665"/>
+                    <a:pt x="3725436" y="4507225"/>
+                    <a:pt x="2556078" y="4625980"/>
+                  </a:cubicBezTo>
+                  <a:lnTo>
+                    <a:pt x="2333413" y="4637223"/>
+                  </a:lnTo>
+                  <a:lnTo>
+                    <a:pt x="2304539" y="4637223"/>
+                  </a:lnTo>
+                  <a:lnTo>
+                    <a:pt x="2081874" y="4625980"/>
+                  </a:lnTo>
+                  <a:cubicBezTo>
+                    <a:pt x="912517" y="4507225"/>
+                    <a:pt x="0" y="3519665"/>
+                    <a:pt x="0" y="2318976"/>
+                  </a:cubicBezTo>
+                  <a:cubicBezTo>
+                    <a:pt x="0" y="1038241"/>
+                    <a:pt x="1038241" y="0"/>
+                    <a:pt x="2318976" y="0"/>
+                  </a:cubicBezTo>
+                  <a:close/>
+                </a:path>
+              </a:pathLst>
+            </a:custGeom>
+          </p:spPr>
+        </p:pic>
+        <p:pic>
+          <p:nvPicPr>
+            <p:cNvPr id="54" name="Picture 53" descr="A person in a suit and glasses&#10;&#10;AI-generated content may be incorrect.">
+              <a:extLst>
+                <a:ext uri="{FF2B5EF4-FFF2-40B4-BE49-F238E27FC236}">
+                  <a16:creationId xmlns:a16="http://schemas.microsoft.com/office/drawing/2014/main" id="{37356292-3388-50F2-6FAF-089120252FDE}"/>
+                </a:ext>
+              </a:extLst>
+            </p:cNvPr>
+            <p:cNvPicPr>
+              <a:picLocks noChangeAspect="1"/>
+            </p:cNvPicPr>
+            <p:nvPr/>
+          </p:nvPicPr>
+          <p:blipFill>
+            <a:blip r:embed="rId6"/>
+            <a:srcRect l="11391" r="16473" b="37761"/>
+            <a:stretch/>
+          </p:blipFill>
+          <p:spPr>
+            <a:xfrm>
+              <a:off x="13489098" y="16029"/>
+              <a:ext cx="5126663" cy="3660664"/>
+            </a:xfrm>
+            <a:prstGeom prst="rect">
+              <a:avLst/>
+            </a:prstGeom>
+          </p:spPr>
+        </p:pic>
+      </p:grpSp>
+      <p:sp>
+        <p:nvSpPr>
+          <p:cNvPr id="60" name="TextBox 59">
+            <a:extLst>
+              <a:ext uri="{FF2B5EF4-FFF2-40B4-BE49-F238E27FC236}">
+                <a16:creationId xmlns:a16="http://schemas.microsoft.com/office/drawing/2014/main" id="{EA701B73-C223-34E9-E836-107745AEDA16}"/>
+              </a:ext>
+            </a:extLst>
+          </p:cNvPr>
+          <p:cNvSpPr txBox="1"/>
+          <p:nvPr/>
+        </p:nvSpPr>
+        <p:spPr>
+          <a:xfrm>
+            <a:off x="401736" y="5439497"/>
+            <a:ext cx="5195860" cy="600164"/>
+          </a:xfrm>
+          <a:prstGeom prst="rect">
+            <a:avLst/>
+          </a:prstGeom>
+          <a:noFill/>
+        </p:spPr>
+        <p:txBody>
+          <a:bodyPr wrap="square">
+            <a:spAutoFit/>
+          </a:bodyPr>
+          <a:lstStyle/>
+          <a:p>
+            <a:pPr marL="0" marR="0" lvl="0" indent="0" algn="l" defTabSz="914400" rtl="0" eaLnBrk="1" fontAlgn="auto" latinLnBrk="0" hangingPunct="1">
+              <a:lnSpc>
+                <a:spcPct val="100000"/>
+              </a:lnSpc>
+              <a:spcBef>
+                <a:spcPts val="0"/>
+              </a:spcBef>
+              <a:spcAft>
+                <a:spcPts val="600"/>
+              </a:spcAft>
+              <a:buClr>
+                <a:srgbClr val="000000"/>
+              </a:buClr>
+              <a:buSzPts val="800"/>
+              <a:buFontTx/>
+              <a:buNone/>
+              <a:tabLst/>
+              <a:defRPr/>
+            </a:pPr>
+            <a:r>
+              <a:rPr kumimoji="0" lang="en-US" sz="1600" b="1" i="0" u="none" strike="noStrike" kern="1200" cap="none" spc="0" normalizeH="0" baseline="0" noProof="0" dirty="0">
+                <a:ln>
+                  <a:noFill/>
+                </a:ln>
+                <a:solidFill>
+                  <a:srgbClr val="FFFFFF"/>
+                </a:solidFill>
+                <a:effectLst/>
+                <a:uLnTx/>
+                <a:uFillTx/>
+                <a:latin typeface="Aptos ExtraBold"/>
+                <a:ea typeface="Arial"/>
+                <a:cs typeface="Arial"/>
+                <a:sym typeface="Arial"/>
+              </a:rPr>
+              <a:t>Paciolan is your one-stop shop</a:t>
+            </a:r>
+          </a:p>
+          <a:p>
+            <a:pPr marL="0" marR="0" lvl="0" indent="0" algn="l" defTabSz="914400" rtl="0" eaLnBrk="1" fontAlgn="auto" latinLnBrk="0" hangingPunct="1">
+              <a:lnSpc>
+                <a:spcPct val="100000"/>
+              </a:lnSpc>
+              <a:spcBef>
+                <a:spcPts val="0"/>
+              </a:spcBef>
+              <a:spcAft>
+                <a:spcPts val="600"/>
+              </a:spcAft>
+              <a:buClr>
+                <a:srgbClr val="000000"/>
+              </a:buClr>
+              <a:buSzPts val="800"/>
+              <a:buFontTx/>
+              <a:buNone/>
+              <a:tabLst/>
+              <a:defRPr/>
+            </a:pPr>
+            <a:r>
+              <a:rPr kumimoji="0" lang="en-US" sz="1200" b="0" i="0" u="none" strike="noStrike" kern="1200" cap="none" spc="0" normalizeH="0" baseline="0" noProof="0" dirty="0">
+                <a:ln>
+                  <a:noFill/>
+                </a:ln>
+                <a:solidFill>
+                  <a:srgbClr val="FFFFFF"/>
+                </a:solidFill>
+                <a:effectLst/>
+                <a:uLnTx/>
+                <a:uFillTx/>
+                <a:latin typeface="Aptos"/>
+                <a:ea typeface="Arial"/>
+                <a:cs typeface="Arial"/>
+                <a:sym typeface="Arial"/>
+              </a:rPr>
+              <a:t>For ticketing, fundraising, marketing solutions and customer engagement</a:t>
+            </a:r>
+          </a:p>
+        </p:txBody>
+      </p:sp>
+    </p:spTree>
+  </p:cSld>
+  <p:clrMapOvr>
+    <a:masterClrMapping/>
+  </p:clrMapOvr>
+</p:sld>
+</file>
+
+<file path=ppt/slides/slide20.xml><?xml version="1.0" encoding="utf-8"?>
 <p:sld xmlns:a="http://schemas.openxmlformats.org/drawingml/2006/main" xmlns:r="http://schemas.openxmlformats.org/officeDocument/2006/relationships" xmlns:p="http://schemas.openxmlformats.org/presentationml/2006/main">
   <p:cSld>
     <p:spTree>
@@ -38165,7 +37763,7 @@
 </p:sld>
 </file>
 
-<file path=ppt/slides/slide22.xml><?xml version="1.0" encoding="utf-8"?>
+<file path=ppt/slides/slide21.xml><?xml version="1.0" encoding="utf-8"?>
 <p:sld xmlns:a="http://schemas.openxmlformats.org/drawingml/2006/main" xmlns:r="http://schemas.openxmlformats.org/officeDocument/2006/relationships" xmlns:p="http://schemas.openxmlformats.org/presentationml/2006/main">
   <p:cSld>
     <p:spTree>
@@ -38292,7 +37890,7 @@
 </p:sld>
 </file>
 
-<file path=ppt/slides/slide23.xml><?xml version="1.0" encoding="utf-8"?>
+<file path=ppt/slides/slide22.xml><?xml version="1.0" encoding="utf-8"?>
 <p:sld xmlns:a="http://schemas.openxmlformats.org/drawingml/2006/main" xmlns:r="http://schemas.openxmlformats.org/officeDocument/2006/relationships" xmlns:p="http://schemas.openxmlformats.org/presentationml/2006/main">
   <p:cSld>
     <p:spTree>
@@ -38350,7 +37948,7 @@
 </p:sld>
 </file>
 
-<file path=ppt/slides/slide24.xml><?xml version="1.0" encoding="utf-8"?>
+<file path=ppt/slides/slide23.xml><?xml version="1.0" encoding="utf-8"?>
 <p:sld xmlns:a="http://schemas.openxmlformats.org/drawingml/2006/main" xmlns:r="http://schemas.openxmlformats.org/officeDocument/2006/relationships" xmlns:p="http://schemas.openxmlformats.org/presentationml/2006/main">
   <p:cSld>
     <p:spTree>
@@ -40463,7 +40061,7 @@
 </p:sld>
 </file>
 
-<file path=ppt/slides/slide25.xml><?xml version="1.0" encoding="utf-8"?>
+<file path=ppt/slides/slide24.xml><?xml version="1.0" encoding="utf-8"?>
 <p:sld xmlns:a="http://schemas.openxmlformats.org/drawingml/2006/main" xmlns:r="http://schemas.openxmlformats.org/officeDocument/2006/relationships" xmlns:p="http://schemas.openxmlformats.org/presentationml/2006/main">
   <p:cSld>
     <p:spTree>
@@ -40710,7 +40308,7 @@
 </p:sld>
 </file>
 
-<file path=ppt/slides/slide26.xml><?xml version="1.0" encoding="utf-8"?>
+<file path=ppt/slides/slide25.xml><?xml version="1.0" encoding="utf-8"?>
 <p:sld xmlns:a="http://schemas.openxmlformats.org/drawingml/2006/main" xmlns:r="http://schemas.openxmlformats.org/officeDocument/2006/relationships" xmlns:p="http://schemas.openxmlformats.org/presentationml/2006/main">
   <p:cSld>
     <p:spTree>
@@ -41073,7 +40671,7 @@
 </p:sld>
 </file>
 
-<file path=ppt/slides/slide27.xml><?xml version="1.0" encoding="utf-8"?>
+<file path=ppt/slides/slide26.xml><?xml version="1.0" encoding="utf-8"?>
 <p:sld xmlns:a="http://schemas.openxmlformats.org/drawingml/2006/main" xmlns:r="http://schemas.openxmlformats.org/officeDocument/2006/relationships" xmlns:p="http://schemas.openxmlformats.org/presentationml/2006/main">
   <p:cSld>
     <p:spTree>
@@ -41252,518 +40850,6 @@
 </file>
 
 <file path=ppt/slides/slide3.xml><?xml version="1.0" encoding="utf-8"?>
-<p:sld xmlns:a="http://schemas.openxmlformats.org/drawingml/2006/main" xmlns:r="http://schemas.openxmlformats.org/officeDocument/2006/relationships" xmlns:p="http://schemas.openxmlformats.org/presentationml/2006/main">
-  <p:cSld>
-    <p:spTree>
-      <p:nvGrpSpPr>
-        <p:cNvPr id="1" name=""/>
-        <p:cNvGrpSpPr/>
-        <p:nvPr/>
-      </p:nvGrpSpPr>
-      <p:grpSpPr>
-        <a:xfrm>
-          <a:off x="0" y="0"/>
-          <a:ext cx="0" cy="0"/>
-          <a:chOff x="0" y="0"/>
-          <a:chExt cx="0" cy="0"/>
-        </a:xfrm>
-      </p:grpSpPr>
-      <p:pic>
-        <p:nvPicPr>
-          <p:cNvPr id="3" name="Object 2"/>
-          <p:cNvPicPr>
-            <a:picLocks noChangeAspect="1"/>
-          </p:cNvPicPr>
-          <p:nvPr/>
-        </p:nvPicPr>
-        <p:blipFill>
-          <a:blip r:embed="rId3"/>
-          <a:srcRect/>
-          <a:stretch/>
-        </p:blipFill>
-        <p:spPr>
-          <a:xfrm>
-            <a:off x="11486415" y="6429403"/>
-            <a:ext cx="246896" cy="246896"/>
-          </a:xfrm>
-          <a:prstGeom prst="rect">
-            <a:avLst/>
-          </a:prstGeom>
-        </p:spPr>
-      </p:pic>
-      <p:pic>
-        <p:nvPicPr>
-          <p:cNvPr id="4" name="Object 3"/>
-          <p:cNvPicPr>
-            <a:picLocks noChangeAspect="1"/>
-          </p:cNvPicPr>
-          <p:nvPr/>
-        </p:nvPicPr>
-        <p:blipFill>
-          <a:blip r:embed="rId4"/>
-          <a:srcRect l="880" r="880"/>
-          <a:stretch/>
-        </p:blipFill>
-        <p:spPr>
-          <a:xfrm>
-            <a:off x="0" y="34"/>
-            <a:ext cx="12188952" cy="94295"/>
-          </a:xfrm>
-          <a:prstGeom prst="rect">
-            <a:avLst/>
-          </a:prstGeom>
-        </p:spPr>
-      </p:pic>
-      <p:sp>
-        <p:nvSpPr>
-          <p:cNvPr id="37" name="TextBox 36">
-            <a:extLst>
-              <a:ext uri="{FF2B5EF4-FFF2-40B4-BE49-F238E27FC236}">
-                <a16:creationId xmlns:a16="http://schemas.microsoft.com/office/drawing/2014/main" id="{BAF92C18-998A-EDBC-7C8A-B5770F6C1DB9}"/>
-              </a:ext>
-            </a:extLst>
-          </p:cNvPr>
-          <p:cNvSpPr txBox="1"/>
-          <p:nvPr/>
-        </p:nvSpPr>
-        <p:spPr>
-          <a:xfrm>
-            <a:off x="401736" y="2800831"/>
-            <a:ext cx="4508622" cy="1400383"/>
-          </a:xfrm>
-          <a:prstGeom prst="rect">
-            <a:avLst/>
-          </a:prstGeom>
-          <a:noFill/>
-        </p:spPr>
-        <p:txBody>
-          <a:bodyPr wrap="square">
-            <a:spAutoFit/>
-          </a:bodyPr>
-          <a:lstStyle/>
-          <a:p>
-            <a:pPr>
-              <a:spcAft>
-                <a:spcPts val="600"/>
-              </a:spcAft>
-              <a:buClr>
-                <a:srgbClr val="000000"/>
-              </a:buClr>
-              <a:buSzPts val="800"/>
-            </a:pPr>
-            <a:r>
-              <a:rPr lang="en-US" sz="3200" b="1" dirty="0">
-                <a:solidFill>
-                  <a:schemeClr val="bg1"/>
-                </a:solidFill>
-                <a:latin typeface="+mj-lt"/>
-                <a:ea typeface="Arial"/>
-                <a:cs typeface="Arial"/>
-                <a:sym typeface="Arial"/>
-              </a:rPr>
-              <a:t>Muhammad Shoaib</a:t>
-            </a:r>
-          </a:p>
-          <a:p>
-            <a:pPr>
-              <a:spcAft>
-                <a:spcPts val="600"/>
-              </a:spcAft>
-              <a:buClr>
-                <a:srgbClr val="000000"/>
-              </a:buClr>
-              <a:buSzPts val="800"/>
-            </a:pPr>
-            <a:r>
-              <a:rPr lang="en-US" sz="2400" dirty="0">
-                <a:solidFill>
-                  <a:schemeClr val="bg1"/>
-                </a:solidFill>
-                <a:ea typeface="Arial"/>
-                <a:cs typeface="Arial"/>
-                <a:sym typeface="Arial"/>
-              </a:rPr>
-              <a:t>Director of Edge and Infrastructure Security</a:t>
-            </a:r>
-          </a:p>
-        </p:txBody>
-      </p:sp>
-      <p:pic>
-        <p:nvPicPr>
-          <p:cNvPr id="42" name="Object 7">
-            <a:extLst>
-              <a:ext uri="{FF2B5EF4-FFF2-40B4-BE49-F238E27FC236}">
-                <a16:creationId xmlns:a16="http://schemas.microsoft.com/office/drawing/2014/main" id="{2C7661B0-1C15-87AF-B131-71CA83EAA480}"/>
-              </a:ext>
-            </a:extLst>
-          </p:cNvPr>
-          <p:cNvPicPr>
-            <a:picLocks noChangeAspect="1"/>
-          </p:cNvPicPr>
-          <p:nvPr/>
-        </p:nvPicPr>
-        <p:blipFill>
-          <a:blip r:embed="rId5"/>
-          <a:srcRect t="183" b="183"/>
-          <a:stretch/>
-        </p:blipFill>
-        <p:spPr>
-          <a:xfrm>
-            <a:off x="401736" y="576923"/>
-            <a:ext cx="2331066" cy="985625"/>
-          </a:xfrm>
-          <a:prstGeom prst="rect">
-            <a:avLst/>
-          </a:prstGeom>
-        </p:spPr>
-      </p:pic>
-      <p:sp>
-        <p:nvSpPr>
-          <p:cNvPr id="51" name="Oval 50">
-            <a:extLst>
-              <a:ext uri="{FF2B5EF4-FFF2-40B4-BE49-F238E27FC236}">
-                <a16:creationId xmlns:a16="http://schemas.microsoft.com/office/drawing/2014/main" id="{AFF2489A-DF87-7C7A-403E-23E0E1CE4752}"/>
-              </a:ext>
-            </a:extLst>
-          </p:cNvPr>
-          <p:cNvSpPr/>
-          <p:nvPr/>
-        </p:nvSpPr>
-        <p:spPr>
-          <a:xfrm>
-            <a:off x="6917235" y="1456535"/>
-            <a:ext cx="3966565" cy="3966564"/>
-          </a:xfrm>
-          <a:prstGeom prst="ellipse">
-            <a:avLst/>
-          </a:prstGeom>
-          <a:solidFill>
-            <a:srgbClr val="E51D2E"/>
-          </a:solidFill>
-          <a:ln>
-            <a:noFill/>
-          </a:ln>
-        </p:spPr>
-        <p:style>
-          <a:lnRef idx="2">
-            <a:schemeClr val="accent1">
-              <a:shade val="50000"/>
-            </a:schemeClr>
-          </a:lnRef>
-          <a:fillRef idx="1">
-            <a:schemeClr val="accent1"/>
-          </a:fillRef>
-          <a:effectRef idx="0">
-            <a:schemeClr val="accent1"/>
-          </a:effectRef>
-          <a:fontRef idx="minor">
-            <a:schemeClr val="lt1"/>
-          </a:fontRef>
-        </p:style>
-        <p:txBody>
-          <a:bodyPr rtlCol="0" anchor="ctr"/>
-          <a:lstStyle/>
-          <a:p>
-            <a:pPr algn="l">
-              <a:lnSpc>
-                <a:spcPct val="90000"/>
-              </a:lnSpc>
-              <a:spcBef>
-                <a:spcPts val="200"/>
-              </a:spcBef>
-              <a:spcAft>
-                <a:spcPts val="200"/>
-              </a:spcAft>
-            </a:pPr>
-            <a:endParaRPr lang="en-US" kern="100" dirty="0" err="1">
-              <a:solidFill>
-                <a:schemeClr val="bg1"/>
-              </a:solidFill>
-              <a:latin typeface="+mj-lt"/>
-            </a:endParaRPr>
-          </a:p>
-        </p:txBody>
-      </p:sp>
-      <p:grpSp>
-        <p:nvGrpSpPr>
-          <p:cNvPr id="52" name="Group 51">
-            <a:extLst>
-              <a:ext uri="{FF2B5EF4-FFF2-40B4-BE49-F238E27FC236}">
-                <a16:creationId xmlns:a16="http://schemas.microsoft.com/office/drawing/2014/main" id="{F748E549-1456-97A2-1073-00D54D2542D0}"/>
-              </a:ext>
-            </a:extLst>
-          </p:cNvPr>
-          <p:cNvGrpSpPr/>
-          <p:nvPr/>
-        </p:nvGrpSpPr>
-        <p:grpSpPr>
-          <a:xfrm>
-            <a:off x="6768776" y="392307"/>
-            <a:ext cx="4384530" cy="5042197"/>
-            <a:chOff x="13489098" y="16029"/>
-            <a:chExt cx="5126663" cy="5895648"/>
-          </a:xfrm>
-        </p:grpSpPr>
-        <p:pic>
-          <p:nvPicPr>
-            <p:cNvPr id="53" name="Picture 52" descr="A person in a suit and glasses&#10;&#10;AI-generated content may be incorrect.">
-              <a:extLst>
-                <a:ext uri="{FF2B5EF4-FFF2-40B4-BE49-F238E27FC236}">
-                  <a16:creationId xmlns:a16="http://schemas.microsoft.com/office/drawing/2014/main" id="{9FE569F6-47A8-080F-9BEE-FF7DD375982D}"/>
-                </a:ext>
-              </a:extLst>
-            </p:cNvPr>
-            <p:cNvPicPr>
-              <a:picLocks noChangeAspect="1"/>
-            </p:cNvPicPr>
-            <p:nvPr/>
-          </p:nvPicPr>
-          <p:blipFill>
-            <a:blip r:embed="rId6"/>
-            <a:srcRect l="14520" t="21157" r="20220"/>
-            <a:stretch>
-              <a:fillRect/>
-            </a:stretch>
-          </p:blipFill>
-          <p:spPr>
-            <a:xfrm>
-              <a:off x="13670806" y="1262377"/>
-              <a:ext cx="4650032" cy="4649300"/>
-            </a:xfrm>
-            <a:custGeom>
-              <a:avLst/>
-              <a:gdLst>
-                <a:gd name="connsiteX0" fmla="*/ 2318976 w 4637953"/>
-                <a:gd name="connsiteY0" fmla="*/ 0 h 4637223"/>
-                <a:gd name="connsiteX1" fmla="*/ 4637953 w 4637953"/>
-                <a:gd name="connsiteY1" fmla="*/ 2318976 h 4637223"/>
-                <a:gd name="connsiteX2" fmla="*/ 2556078 w 4637953"/>
-                <a:gd name="connsiteY2" fmla="*/ 4625980 h 4637223"/>
-                <a:gd name="connsiteX3" fmla="*/ 2333413 w 4637953"/>
-                <a:gd name="connsiteY3" fmla="*/ 4637223 h 4637223"/>
-                <a:gd name="connsiteX4" fmla="*/ 2304539 w 4637953"/>
-                <a:gd name="connsiteY4" fmla="*/ 4637223 h 4637223"/>
-                <a:gd name="connsiteX5" fmla="*/ 2081874 w 4637953"/>
-                <a:gd name="connsiteY5" fmla="*/ 4625980 h 4637223"/>
-                <a:gd name="connsiteX6" fmla="*/ 0 w 4637953"/>
-                <a:gd name="connsiteY6" fmla="*/ 2318976 h 4637223"/>
-                <a:gd name="connsiteX7" fmla="*/ 2318976 w 4637953"/>
-                <a:gd name="connsiteY7" fmla="*/ 0 h 4637223"/>
-              </a:gdLst>
-              <a:ahLst/>
-              <a:cxnLst>
-                <a:cxn ang="0">
-                  <a:pos x="connsiteX0" y="connsiteY0"/>
-                </a:cxn>
-                <a:cxn ang="0">
-                  <a:pos x="connsiteX1" y="connsiteY1"/>
-                </a:cxn>
-                <a:cxn ang="0">
-                  <a:pos x="connsiteX2" y="connsiteY2"/>
-                </a:cxn>
-                <a:cxn ang="0">
-                  <a:pos x="connsiteX3" y="connsiteY3"/>
-                </a:cxn>
-                <a:cxn ang="0">
-                  <a:pos x="connsiteX4" y="connsiteY4"/>
-                </a:cxn>
-                <a:cxn ang="0">
-                  <a:pos x="connsiteX5" y="connsiteY5"/>
-                </a:cxn>
-                <a:cxn ang="0">
-                  <a:pos x="connsiteX6" y="connsiteY6"/>
-                </a:cxn>
-                <a:cxn ang="0">
-                  <a:pos x="connsiteX7" y="connsiteY7"/>
-                </a:cxn>
-              </a:cxnLst>
-              <a:rect l="l" t="t" r="r" b="b"/>
-              <a:pathLst>
-                <a:path w="4637953" h="4637223">
-                  <a:moveTo>
-                    <a:pt x="2318976" y="0"/>
-                  </a:moveTo>
-                  <a:cubicBezTo>
-                    <a:pt x="3599711" y="0"/>
-                    <a:pt x="4637953" y="1038241"/>
-                    <a:pt x="4637953" y="2318976"/>
-                  </a:cubicBezTo>
-                  <a:cubicBezTo>
-                    <a:pt x="4637953" y="3519665"/>
-                    <a:pt x="3725436" y="4507225"/>
-                    <a:pt x="2556078" y="4625980"/>
-                  </a:cubicBezTo>
-                  <a:lnTo>
-                    <a:pt x="2333413" y="4637223"/>
-                  </a:lnTo>
-                  <a:lnTo>
-                    <a:pt x="2304539" y="4637223"/>
-                  </a:lnTo>
-                  <a:lnTo>
-                    <a:pt x="2081874" y="4625980"/>
-                  </a:lnTo>
-                  <a:cubicBezTo>
-                    <a:pt x="912517" y="4507225"/>
-                    <a:pt x="0" y="3519665"/>
-                    <a:pt x="0" y="2318976"/>
-                  </a:cubicBezTo>
-                  <a:cubicBezTo>
-                    <a:pt x="0" y="1038241"/>
-                    <a:pt x="1038241" y="0"/>
-                    <a:pt x="2318976" y="0"/>
-                  </a:cubicBezTo>
-                  <a:close/>
-                </a:path>
-              </a:pathLst>
-            </a:custGeom>
-          </p:spPr>
-        </p:pic>
-        <p:pic>
-          <p:nvPicPr>
-            <p:cNvPr id="54" name="Picture 53" descr="A person in a suit and glasses&#10;&#10;AI-generated content may be incorrect.">
-              <a:extLst>
-                <a:ext uri="{FF2B5EF4-FFF2-40B4-BE49-F238E27FC236}">
-                  <a16:creationId xmlns:a16="http://schemas.microsoft.com/office/drawing/2014/main" id="{37356292-3388-50F2-6FAF-089120252FDE}"/>
-                </a:ext>
-              </a:extLst>
-            </p:cNvPr>
-            <p:cNvPicPr>
-              <a:picLocks noChangeAspect="1"/>
-            </p:cNvPicPr>
-            <p:nvPr/>
-          </p:nvPicPr>
-          <p:blipFill>
-            <a:blip r:embed="rId6"/>
-            <a:srcRect l="11391" r="16473" b="37761"/>
-            <a:stretch/>
-          </p:blipFill>
-          <p:spPr>
-            <a:xfrm>
-              <a:off x="13489098" y="16029"/>
-              <a:ext cx="5126663" cy="3660664"/>
-            </a:xfrm>
-            <a:prstGeom prst="rect">
-              <a:avLst/>
-            </a:prstGeom>
-          </p:spPr>
-        </p:pic>
-      </p:grpSp>
-      <p:sp>
-        <p:nvSpPr>
-          <p:cNvPr id="60" name="TextBox 59">
-            <a:extLst>
-              <a:ext uri="{FF2B5EF4-FFF2-40B4-BE49-F238E27FC236}">
-                <a16:creationId xmlns:a16="http://schemas.microsoft.com/office/drawing/2014/main" id="{EA701B73-C223-34E9-E836-107745AEDA16}"/>
-              </a:ext>
-            </a:extLst>
-          </p:cNvPr>
-          <p:cNvSpPr txBox="1"/>
-          <p:nvPr/>
-        </p:nvSpPr>
-        <p:spPr>
-          <a:xfrm>
-            <a:off x="401736" y="5439497"/>
-            <a:ext cx="5195860" cy="600164"/>
-          </a:xfrm>
-          <a:prstGeom prst="rect">
-            <a:avLst/>
-          </a:prstGeom>
-          <a:noFill/>
-        </p:spPr>
-        <p:txBody>
-          <a:bodyPr wrap="square">
-            <a:spAutoFit/>
-          </a:bodyPr>
-          <a:lstStyle/>
-          <a:p>
-            <a:pPr marL="0" marR="0" lvl="0" indent="0" algn="l" defTabSz="914400" rtl="0" eaLnBrk="1" fontAlgn="auto" latinLnBrk="0" hangingPunct="1">
-              <a:lnSpc>
-                <a:spcPct val="100000"/>
-              </a:lnSpc>
-              <a:spcBef>
-                <a:spcPts val="0"/>
-              </a:spcBef>
-              <a:spcAft>
-                <a:spcPts val="600"/>
-              </a:spcAft>
-              <a:buClr>
-                <a:srgbClr val="000000"/>
-              </a:buClr>
-              <a:buSzPts val="800"/>
-              <a:buFontTx/>
-              <a:buNone/>
-              <a:tabLst/>
-              <a:defRPr/>
-            </a:pPr>
-            <a:r>
-              <a:rPr kumimoji="0" lang="en-US" sz="1600" b="1" i="0" u="none" strike="noStrike" kern="1200" cap="none" spc="0" normalizeH="0" baseline="0" noProof="0" dirty="0">
-                <a:ln>
-                  <a:noFill/>
-                </a:ln>
-                <a:solidFill>
-                  <a:srgbClr val="FFFFFF"/>
-                </a:solidFill>
-                <a:effectLst/>
-                <a:uLnTx/>
-                <a:uFillTx/>
-                <a:latin typeface="Aptos ExtraBold"/>
-                <a:ea typeface="Arial"/>
-                <a:cs typeface="Arial"/>
-                <a:sym typeface="Arial"/>
-              </a:rPr>
-              <a:t>Paciolan is your one-stop shop</a:t>
-            </a:r>
-          </a:p>
-          <a:p>
-            <a:pPr marL="0" marR="0" lvl="0" indent="0" algn="l" defTabSz="914400" rtl="0" eaLnBrk="1" fontAlgn="auto" latinLnBrk="0" hangingPunct="1">
-              <a:lnSpc>
-                <a:spcPct val="100000"/>
-              </a:lnSpc>
-              <a:spcBef>
-                <a:spcPts val="0"/>
-              </a:spcBef>
-              <a:spcAft>
-                <a:spcPts val="600"/>
-              </a:spcAft>
-              <a:buClr>
-                <a:srgbClr val="000000"/>
-              </a:buClr>
-              <a:buSzPts val="800"/>
-              <a:buFontTx/>
-              <a:buNone/>
-              <a:tabLst/>
-              <a:defRPr/>
-            </a:pPr>
-            <a:r>
-              <a:rPr kumimoji="0" lang="en-US" sz="1200" b="0" i="0" u="none" strike="noStrike" kern="1200" cap="none" spc="0" normalizeH="0" baseline="0" noProof="0" dirty="0">
-                <a:ln>
-                  <a:noFill/>
-                </a:ln>
-                <a:solidFill>
-                  <a:srgbClr val="FFFFFF"/>
-                </a:solidFill>
-                <a:effectLst/>
-                <a:uLnTx/>
-                <a:uFillTx/>
-                <a:latin typeface="Aptos"/>
-                <a:ea typeface="Arial"/>
-                <a:cs typeface="Arial"/>
-                <a:sym typeface="Arial"/>
-              </a:rPr>
-              <a:t>For ticketing, fundraising, marketing solutions and customer engagement</a:t>
-            </a:r>
-          </a:p>
-        </p:txBody>
-      </p:sp>
-    </p:spTree>
-  </p:cSld>
-  <p:clrMapOvr>
-    <a:masterClrMapping/>
-  </p:clrMapOvr>
-</p:sld>
-</file>
-
-<file path=ppt/slides/slide4.xml><?xml version="1.0" encoding="utf-8"?>
 <p:sld xmlns:a="http://schemas.openxmlformats.org/drawingml/2006/main" xmlns:r="http://schemas.openxmlformats.org/officeDocument/2006/relationships" xmlns:p="http://schemas.openxmlformats.org/presentationml/2006/main">
   <p:cSld>
     <p:spTree>
@@ -42330,7 +41416,7 @@
 </p:sld>
 </file>
 
-<file path=ppt/slides/slide5.xml><?xml version="1.0" encoding="utf-8"?>
+<file path=ppt/slides/slide4.xml><?xml version="1.0" encoding="utf-8"?>
 <p:sld xmlns:a="http://schemas.openxmlformats.org/drawingml/2006/main" xmlns:r="http://schemas.openxmlformats.org/officeDocument/2006/relationships" xmlns:p="http://schemas.openxmlformats.org/presentationml/2006/main">
   <p:cSld>
     <p:spTree>
@@ -43721,7 +42807,7 @@
 </p:sld>
 </file>
 
-<file path=ppt/slides/slide6.xml><?xml version="1.0" encoding="utf-8"?>
+<file path=ppt/slides/slide5.xml><?xml version="1.0" encoding="utf-8"?>
 <p:sld xmlns:a="http://schemas.openxmlformats.org/drawingml/2006/main" xmlns:r="http://schemas.openxmlformats.org/officeDocument/2006/relationships" xmlns:p="http://schemas.openxmlformats.org/presentationml/2006/main">
   <p:cSld>
     <p:spTree>
@@ -44614,7 +43700,7 @@
 </p:sld>
 </file>
 
-<file path=ppt/slides/slide7.xml><?xml version="1.0" encoding="utf-8"?>
+<file path=ppt/slides/slide6.xml><?xml version="1.0" encoding="utf-8"?>
 <p:sld xmlns:a="http://schemas.openxmlformats.org/drawingml/2006/main" xmlns:r="http://schemas.openxmlformats.org/officeDocument/2006/relationships" xmlns:p="http://schemas.openxmlformats.org/presentationml/2006/main">
   <p:cSld>
     <p:spTree>
@@ -46261,7 +45347,7 @@
 </p:sld>
 </file>
 
-<file path=ppt/slides/slide8.xml><?xml version="1.0" encoding="utf-8"?>
+<file path=ppt/slides/slide7.xml><?xml version="1.0" encoding="utf-8"?>
 <p:sld xmlns:a="http://schemas.openxmlformats.org/drawingml/2006/main" xmlns:r="http://schemas.openxmlformats.org/officeDocument/2006/relationships" xmlns:p="http://schemas.openxmlformats.org/presentationml/2006/main">
   <p:cSld>
     <p:spTree>
@@ -47070,7 +46156,7 @@
 </p:sld>
 </file>
 
-<file path=ppt/slides/slide9.xml><?xml version="1.0" encoding="utf-8"?>
+<file path=ppt/slides/slide8.xml><?xml version="1.0" encoding="utf-8"?>
 <p:sld xmlns:a="http://schemas.openxmlformats.org/drawingml/2006/main" xmlns:r="http://schemas.openxmlformats.org/officeDocument/2006/relationships" xmlns:p="http://schemas.openxmlformats.org/presentationml/2006/main">
   <p:cSld>
     <p:spTree>
@@ -48990,6 +48076,154 @@
         </p:txBody>
       </p:sp>
     </p:spTree>
+  </p:cSld>
+  <p:clrMapOvr>
+    <a:masterClrMapping/>
+  </p:clrMapOvr>
+</p:sld>
+</file>
+
+<file path=ppt/slides/slide9.xml><?xml version="1.0" encoding="utf-8"?>
+<p:sld xmlns:a="http://schemas.openxmlformats.org/drawingml/2006/main" xmlns:r="http://schemas.openxmlformats.org/officeDocument/2006/relationships" xmlns:p="http://schemas.openxmlformats.org/presentationml/2006/main">
+  <p:cSld>
+    <p:spTree>
+      <p:nvGrpSpPr>
+        <p:cNvPr id="1" name=""/>
+        <p:cNvGrpSpPr/>
+        <p:nvPr/>
+      </p:nvGrpSpPr>
+      <p:grpSpPr>
+        <a:xfrm>
+          <a:off x="0" y="0"/>
+          <a:ext cx="0" cy="0"/>
+          <a:chOff x="0" y="0"/>
+          <a:chExt cx="0" cy="0"/>
+        </a:xfrm>
+      </p:grpSpPr>
+      <p:sp>
+        <p:nvSpPr>
+          <p:cNvPr id="2" name="Content Placeholder 1">
+            <a:extLst>
+              <a:ext uri="{FF2B5EF4-FFF2-40B4-BE49-F238E27FC236}">
+                <a16:creationId xmlns:a16="http://schemas.microsoft.com/office/drawing/2014/main" id="{51720241-2F7E-C9B2-5654-87E3F0BF494C}"/>
+              </a:ext>
+            </a:extLst>
+          </p:cNvPr>
+          <p:cNvSpPr>
+            <a:spLocks noGrp="1"/>
+          </p:cNvSpPr>
+          <p:nvPr>
+            <p:ph idx="1"/>
+          </p:nvPr>
+        </p:nvSpPr>
+        <p:spPr/>
+        <p:txBody>
+          <a:bodyPr/>
+          <a:lstStyle/>
+          <a:p>
+            <a:r>
+              <a:rPr lang="en-US" dirty="0"/>
+              <a:t>Phase - 1 Launch VE</a:t>
+            </a:r>
+          </a:p>
+        </p:txBody>
+      </p:sp>
+      <p:sp>
+        <p:nvSpPr>
+          <p:cNvPr id="3" name="TextBox 2">
+            <a:extLst>
+              <a:ext uri="{FF2B5EF4-FFF2-40B4-BE49-F238E27FC236}">
+                <a16:creationId xmlns:a16="http://schemas.microsoft.com/office/drawing/2014/main" id="{58426475-DCA3-49DF-84EA-B76165053647}"/>
+              </a:ext>
+            </a:extLst>
+          </p:cNvPr>
+          <p:cNvSpPr txBox="1"/>
+          <p:nvPr/>
+        </p:nvSpPr>
+        <p:spPr>
+          <a:xfrm>
+            <a:off x="729049" y="6549081"/>
+            <a:ext cx="0" cy="0"/>
+          </a:xfrm>
+          <a:prstGeom prst="rect">
+            <a:avLst/>
+          </a:prstGeom>
+          <a:noFill/>
+        </p:spPr>
+        <p:txBody>
+          <a:bodyPr wrap="none" lIns="0" tIns="45720" rIns="0" bIns="0" rtlCol="0">
+            <a:noAutofit/>
+          </a:bodyPr>
+          <a:lstStyle/>
+          <a:p>
+            <a:pPr algn="l">
+              <a:lnSpc>
+                <a:spcPct val="114000"/>
+              </a:lnSpc>
+              <a:spcBef>
+                <a:spcPts val="300"/>
+              </a:spcBef>
+              <a:spcAft>
+                <a:spcPts val="300"/>
+              </a:spcAft>
+            </a:pPr>
+            <a:endParaRPr lang="en-US" sz="1600" kern="100" dirty="0">
+              <a:latin typeface="+mj-lt"/>
+            </a:endParaRPr>
+          </a:p>
+        </p:txBody>
+      </p:sp>
+      <p:sp>
+        <p:nvSpPr>
+          <p:cNvPr id="4" name="TextBox 3">
+            <a:extLst>
+              <a:ext uri="{FF2B5EF4-FFF2-40B4-BE49-F238E27FC236}">
+                <a16:creationId xmlns:a16="http://schemas.microsoft.com/office/drawing/2014/main" id="{3E3E4FA4-8785-6C51-44B0-FAE162F773F9}"/>
+              </a:ext>
+            </a:extLst>
+          </p:cNvPr>
+          <p:cNvSpPr txBox="1"/>
+          <p:nvPr/>
+        </p:nvSpPr>
+        <p:spPr>
+          <a:xfrm>
+            <a:off x="543697" y="6549081"/>
+            <a:ext cx="0" cy="0"/>
+          </a:xfrm>
+          <a:prstGeom prst="rect">
+            <a:avLst/>
+          </a:prstGeom>
+          <a:noFill/>
+        </p:spPr>
+        <p:txBody>
+          <a:bodyPr wrap="none" lIns="0" tIns="45720" rIns="0" bIns="0" rtlCol="0">
+            <a:noAutofit/>
+          </a:bodyPr>
+          <a:lstStyle/>
+          <a:p>
+            <a:pPr algn="l">
+              <a:lnSpc>
+                <a:spcPct val="114000"/>
+              </a:lnSpc>
+              <a:spcBef>
+                <a:spcPts val="300"/>
+              </a:spcBef>
+              <a:spcAft>
+                <a:spcPts val="300"/>
+              </a:spcAft>
+            </a:pPr>
+            <a:endParaRPr lang="en-US" sz="1600" kern="100" dirty="0">
+              <a:latin typeface="+mj-lt"/>
+            </a:endParaRPr>
+          </a:p>
+        </p:txBody>
+      </p:sp>
+    </p:spTree>
+    <p:extLst>
+      <p:ext uri="{BB962C8B-B14F-4D97-AF65-F5344CB8AC3E}">
+        <p14:creationId xmlns:p14="http://schemas.microsoft.com/office/powerpoint/2010/main" val="721280238"/>
+      </p:ext>
+    </p:extLst>
   </p:cSld>
   <p:clrMapOvr>
     <a:masterClrMapping/>

--- a/Slides - Breakout Session.pptx
+++ b/Slides - Breakout Session.pptx
@@ -33545,8 +33545,13 @@
           <a:p>
             <a:r>
               <a:rPr lang="en-US" dirty="0"/>
-              <a:t>Launch BIG-IP AMI as EC22</a:t>
-            </a:r>
+              <a:t>Launch BIG-IP AMI </a:t>
+            </a:r>
+            <a:r>
+              <a:rPr lang="en-US"/>
+              <a:t>as EC2</a:t>
+            </a:r>
+            <a:endParaRPr lang="en-US" dirty="0"/>
           </a:p>
         </p:txBody>
       </p:sp>
